--- a/DataDrivenJobHunting.pptx
+++ b/DataDrivenJobHunting.pptx
@@ -10,7 +10,8 @@
     <p:sldId id="258" r:id="rId4"/>
     <p:sldId id="261" r:id="rId5"/>
     <p:sldId id="260" r:id="rId6"/>
-    <p:sldId id="263" r:id="rId7"/>
+    <p:sldId id="264" r:id="rId7"/>
+    <p:sldId id="263" r:id="rId8"/>
   </p:sldIdLst>
   <p:sldSz cx="12192000" cy="6858000"/>
   <p:notesSz cx="6858000" cy="9144000"/>
@@ -109,6 +110,11 @@
       </a:defRPr>
     </a:lvl9pPr>
   </p:defaultTextStyle>
+  <p:extLst>
+    <p:ext uri="{EFAFB233-063F-42B5-8137-9DF3F51BA10A}">
+      <p15:sldGuideLst xmlns:p15="http://schemas.microsoft.com/office/powerpoint/2012/main"/>
+    </p:ext>
+  </p:extLst>
 </p:presentation>
 </file>
 
@@ -448,7 +454,7 @@
             <a:fld id="{5923F103-BC34-4FE4-A40E-EDDEECFDA5D0}" type="datetimeFigureOut">
               <a:rPr lang="en-US" dirty="0"/>
               <a:pPr/>
-              <a:t>4/29/2019</a:t>
+              <a:t>4/30/2019</a:t>
             </a:fld>
             <a:endParaRPr lang="en-US" dirty="0"/>
           </a:p>
@@ -1536,7 +1542,7 @@
           <a:p>
             <a:fld id="{923A1CC3-2375-41D4-9E03-427CAF2A4C1A}" type="datetimeFigureOut">
               <a:rPr lang="en-US" dirty="0"/>
-              <a:t>4/29/2019</a:t>
+              <a:t>4/30/2019</a:t>
             </a:fld>
             <a:endParaRPr lang="en-US" dirty="0"/>
           </a:p>
@@ -2516,7 +2522,7 @@
           <a:p>
             <a:fld id="{AFF16868-8199-4C2C-A5B1-63AEE139F88E}" type="datetimeFigureOut">
               <a:rPr lang="en-US" dirty="0"/>
-              <a:t>4/29/2019</a:t>
+              <a:t>4/30/2019</a:t>
             </a:fld>
             <a:endParaRPr lang="en-US" dirty="0"/>
           </a:p>
@@ -3650,7 +3656,7 @@
           <a:p>
             <a:fld id="{AAD9FF7F-6988-44CC-821B-644E70CD2F73}" type="datetimeFigureOut">
               <a:rPr lang="en-US" dirty="0"/>
-              <a:t>4/29/2019</a:t>
+              <a:t>4/30/2019</a:t>
             </a:fld>
             <a:endParaRPr lang="en-US" dirty="0"/>
           </a:p>
@@ -4683,7 +4689,7 @@
           <a:p>
             <a:fld id="{5C12C299-16B2-4475-990D-751901EACC14}" type="datetimeFigureOut">
               <a:rPr lang="en-US" dirty="0"/>
-              <a:t>4/29/2019</a:t>
+              <a:t>4/30/2019</a:t>
             </a:fld>
             <a:endParaRPr lang="en-US" dirty="0"/>
           </a:p>
@@ -5343,7 +5349,7 @@
           <a:p>
             <a:fld id="{9FE86839-B9D8-4651-8783-F325ECE74E65}" type="datetimeFigureOut">
               <a:rPr lang="en-US" dirty="0"/>
-              <a:t>4/29/2019</a:t>
+              <a:t>4/30/2019</a:t>
             </a:fld>
             <a:endParaRPr lang="en-US" dirty="0"/>
           </a:p>
@@ -6204,7 +6210,7 @@
           <a:p>
             <a:fld id="{FD484F64-32F6-45C5-931F-ADC1662401D0}" type="datetimeFigureOut">
               <a:rPr lang="en-US" dirty="0"/>
-              <a:t>4/29/2019</a:t>
+              <a:t>4/30/2019</a:t>
             </a:fld>
             <a:endParaRPr lang="en-US" dirty="0"/>
           </a:p>
@@ -6394,7 +6400,7 @@
           <a:p>
             <a:fld id="{53086D93-FCAC-47E0-A2EE-787E62CA814C}" type="datetimeFigureOut">
               <a:rPr lang="en-US" dirty="0"/>
-              <a:t>4/29/2019</a:t>
+              <a:t>4/30/2019</a:t>
             </a:fld>
             <a:endParaRPr lang="en-US" dirty="0"/>
           </a:p>
@@ -7366,7 +7372,7 @@
           <a:p>
             <a:fld id="{CDA879A6-0FD0-4734-A311-86BFCA472E6E}" type="datetimeFigureOut">
               <a:rPr lang="en-US" dirty="0"/>
-              <a:t>4/29/2019</a:t>
+              <a:t>4/30/2019</a:t>
             </a:fld>
             <a:endParaRPr lang="en-US" dirty="0"/>
           </a:p>
@@ -7577,7 +7583,7 @@
           <a:p>
             <a:fld id="{19C9CA7B-DFD4-44B5-8C60-D14B8CD1FB59}" type="datetimeFigureOut">
               <a:rPr lang="en-US" dirty="0"/>
-              <a:t>4/29/2019</a:t>
+              <a:t>4/30/2019</a:t>
             </a:fld>
             <a:endParaRPr lang="en-US" dirty="0"/>
           </a:p>
@@ -8611,7 +8617,7 @@
           <a:p>
             <a:fld id="{F34E6425-0181-43F2-84FC-787E803FD2F8}" type="datetimeFigureOut">
               <a:rPr lang="en-US" dirty="0"/>
-              <a:t>4/29/2019</a:t>
+              <a:t>4/30/2019</a:t>
             </a:fld>
             <a:endParaRPr lang="en-US" dirty="0"/>
           </a:p>
@@ -8883,7 +8889,7 @@
           <a:p>
             <a:fld id="{3BDB8791-F1B0-41E7-B7FD-A781E65C4266}" type="datetimeFigureOut">
               <a:rPr lang="en-US" dirty="0"/>
-              <a:t>4/29/2019</a:t>
+              <a:t>4/30/2019</a:t>
             </a:fld>
             <a:endParaRPr lang="en-US" dirty="0"/>
           </a:p>
@@ -9293,7 +9299,7 @@
           <a:p>
             <a:fld id="{5FDD63B2-E120-4ED8-B27B-C685F510A5FE}" type="datetimeFigureOut">
               <a:rPr lang="en-US" dirty="0"/>
-              <a:t>4/29/2019</a:t>
+              <a:t>4/30/2019</a:t>
             </a:fld>
             <a:endParaRPr lang="en-US" dirty="0"/>
           </a:p>
@@ -9420,7 +9426,7 @@
           <a:p>
             <a:fld id="{7AA18ACC-A947-437B-A130-35BD54FDF1E9}" type="datetimeFigureOut">
               <a:rPr lang="en-US" dirty="0"/>
-              <a:t>4/29/2019</a:t>
+              <a:t>4/30/2019</a:t>
             </a:fld>
             <a:endParaRPr lang="en-US" dirty="0"/>
           </a:p>
@@ -9515,7 +9521,7 @@
           <a:p>
             <a:fld id="{7C8D7E02-BCB8-4D50-A234-369438C08659}" type="datetimeFigureOut">
               <a:rPr lang="en-US" dirty="0"/>
-              <a:t>4/29/2019</a:t>
+              <a:t>4/30/2019</a:t>
             </a:fld>
             <a:endParaRPr lang="en-US" dirty="0"/>
           </a:p>
@@ -10596,7 +10602,7 @@
           <a:p>
             <a:fld id="{76E86A4C-8E40-4F87-A4F0-01A0687C5742}" type="datetimeFigureOut">
               <a:rPr lang="en-US" dirty="0"/>
-              <a:t>4/29/2019</a:t>
+              <a:t>4/30/2019</a:t>
             </a:fld>
             <a:endParaRPr lang="en-US" dirty="0"/>
           </a:p>
@@ -11704,7 +11710,7 @@
           <a:p>
             <a:fld id="{35E72C73-2D91-4E12-BA25-F0AA0C03599B}" type="datetimeFigureOut">
               <a:rPr lang="en-US" dirty="0"/>
-              <a:t>4/29/2019</a:t>
+              <a:t>4/30/2019</a:t>
             </a:fld>
             <a:endParaRPr lang="en-US" dirty="0"/>
           </a:p>
@@ -12701,7 +12707,7 @@
           <a:p>
             <a:fld id="{2BE451C3-0FF4-47C4-B829-773ADF60F88C}" type="datetimeFigureOut">
               <a:rPr lang="en-US" dirty="0"/>
-              <a:t>4/29/2019</a:t>
+              <a:t>4/30/2019</a:t>
             </a:fld>
             <a:endParaRPr lang="en-US" dirty="0"/>
           </a:p>
@@ -13341,8 +13347,21 @@
                   <a:schemeClr val="bg2"/>
                 </a:solidFill>
               </a:rPr>
-              <a:t>) group</a:t>
-            </a:r>
+              <a:t>) </a:t>
+            </a:r>
+            <a:r>
+              <a:rPr lang="en-CA" sz="2400" dirty="0" smtClean="0">
+                <a:solidFill>
+                  <a:schemeClr val="bg2"/>
+                </a:solidFill>
+              </a:rPr>
+              <a:t>group; especial to Zhang Nan, Zhao Xin</a:t>
+            </a:r>
+            <a:endParaRPr lang="en-CA" sz="2400" dirty="0" smtClean="0">
+              <a:solidFill>
+                <a:schemeClr val="bg2"/>
+              </a:solidFill>
+            </a:endParaRPr>
           </a:p>
           <a:p>
             <a:r>
@@ -13393,7 +13412,7 @@
               </a:rPr>
               <a:t>。</a:t>
             </a:r>
-            <a:endParaRPr lang="en-US" altLang="zh-TW" sz="2400" dirty="0" smtClean="0">
+            <a:endParaRPr lang="en-US" sz="1200" dirty="0" smtClean="0">
               <a:solidFill>
                 <a:schemeClr val="bg2"/>
               </a:solidFill>
@@ -13406,7 +13425,15 @@
                   <a:schemeClr val="bg2"/>
                 </a:solidFill>
               </a:rPr>
-              <a:t>Speaker : </a:t>
+              <a:t>Speaker </a:t>
+            </a:r>
+            <a:r>
+              <a:rPr lang="en-US" sz="1200" dirty="0" smtClean="0">
+                <a:solidFill>
+                  <a:schemeClr val="bg2"/>
+                </a:solidFill>
+              </a:rPr>
+              <a:t>: </a:t>
             </a:r>
             <a:r>
               <a:rPr lang="en-US" sz="1200" dirty="0" err="1" smtClean="0">
@@ -13480,6 +13507,13 @@
   <p:clrMapOvr>
     <a:masterClrMapping/>
   </p:clrMapOvr>
+  <p:timing>
+    <p:tnLst>
+      <p:par>
+        <p:cTn id="1" dur="indefinite" restart="never" nodeType="tmRoot"/>
+      </p:par>
+    </p:tnLst>
+  </p:timing>
 </p:sld>
 </file>
 
@@ -13639,6 +13673,13 @@
   <p:clrMapOvr>
     <a:masterClrMapping/>
   </p:clrMapOvr>
+  <p:timing>
+    <p:tnLst>
+      <p:par>
+        <p:cTn id="1" dur="indefinite" restart="never" nodeType="tmRoot"/>
+      </p:par>
+    </p:tnLst>
+  </p:timing>
 </p:sld>
 </file>
 
@@ -13788,6 +13829,13 @@
   <p:clrMapOvr>
     <a:masterClrMapping/>
   </p:clrMapOvr>
+  <p:timing>
+    <p:tnLst>
+      <p:par>
+        <p:cTn id="1" dur="indefinite" restart="never" nodeType="tmRoot"/>
+      </p:par>
+    </p:tnLst>
+  </p:timing>
 </p:sld>
 </file>
 
@@ -13884,6 +13932,13 @@
   <p:clrMapOvr>
     <a:masterClrMapping/>
   </p:clrMapOvr>
+  <p:timing>
+    <p:tnLst>
+      <p:par>
+        <p:cTn id="1" dur="indefinite" restart="never" nodeType="tmRoot"/>
+      </p:par>
+    </p:tnLst>
+  </p:timing>
 </p:sld>
 </file>
 
@@ -13947,10 +14002,174 @@
   <p:clrMapOvr>
     <a:masterClrMapping/>
   </p:clrMapOvr>
+  <p:timing>
+    <p:tnLst>
+      <p:par>
+        <p:cTn id="1" dur="indefinite" restart="never" nodeType="tmRoot"/>
+      </p:par>
+    </p:tnLst>
+  </p:timing>
 </p:sld>
 </file>
 
 <file path=ppt/slides/slide6.xml><?xml version="1.0" encoding="utf-8"?>
+<p:sld xmlns:a="http://schemas.openxmlformats.org/drawingml/2006/main" xmlns:r="http://schemas.openxmlformats.org/officeDocument/2006/relationships" xmlns:p="http://schemas.openxmlformats.org/presentationml/2006/main">
+  <p:cSld>
+    <p:spTree>
+      <p:nvGrpSpPr>
+        <p:cNvPr id="1" name=""/>
+        <p:cNvGrpSpPr/>
+        <p:nvPr/>
+      </p:nvGrpSpPr>
+      <p:grpSpPr>
+        <a:xfrm>
+          <a:off x="0" y="0"/>
+          <a:ext cx="0" cy="0"/>
+          <a:chOff x="0" y="0"/>
+          <a:chExt cx="0" cy="0"/>
+        </a:xfrm>
+      </p:grpSpPr>
+      <p:sp>
+        <p:nvSpPr>
+          <p:cNvPr id="2" name="Title 1"/>
+          <p:cNvSpPr>
+            <a:spLocks noGrp="1"/>
+          </p:cNvSpPr>
+          <p:nvPr>
+            <p:ph type="title"/>
+          </p:nvPr>
+        </p:nvSpPr>
+        <p:spPr/>
+        <p:txBody>
+          <a:bodyPr/>
+          <a:lstStyle/>
+          <a:p>
+            <a:r>
+              <a:rPr lang="en-US" dirty="0" smtClean="0"/>
+              <a:t>Online resources and interview tips</a:t>
+            </a:r>
+            <a:endParaRPr lang="en-US" dirty="0"/>
+          </a:p>
+        </p:txBody>
+      </p:sp>
+      <p:sp>
+        <p:nvSpPr>
+          <p:cNvPr id="3" name="Content Placeholder 2"/>
+          <p:cNvSpPr>
+            <a:spLocks noGrp="1"/>
+          </p:cNvSpPr>
+          <p:nvPr>
+            <p:ph idx="1"/>
+          </p:nvPr>
+        </p:nvSpPr>
+        <p:spPr>
+          <a:xfrm>
+            <a:off x="1023042" y="2281473"/>
+            <a:ext cx="8957571" cy="3738327"/>
+          </a:xfrm>
+        </p:spPr>
+        <p:txBody>
+          <a:bodyPr/>
+          <a:lstStyle/>
+          <a:p>
+            <a:r>
+              <a:rPr lang="en-US" dirty="0">
+                <a:hlinkClick r:id="rId2"/>
+              </a:rPr>
+              <a:t>https://</a:t>
+            </a:r>
+            <a:r>
+              <a:rPr lang="en-US" dirty="0" smtClean="0">
+                <a:hlinkClick r:id="rId2"/>
+              </a:rPr>
+              <a:t>www.udemy.com</a:t>
+            </a:r>
+            <a:endParaRPr lang="en-US" dirty="0" smtClean="0"/>
+          </a:p>
+          <a:p>
+            <a:r>
+              <a:rPr lang="en-US" dirty="0">
+                <a:hlinkClick r:id="rId3"/>
+              </a:rPr>
+              <a:t>https://</a:t>
+            </a:r>
+            <a:r>
+              <a:rPr lang="en-US" dirty="0" smtClean="0">
+                <a:hlinkClick r:id="rId3"/>
+              </a:rPr>
+              <a:t>www.coursera.org</a:t>
+            </a:r>
+            <a:r>
+              <a:rPr lang="en-US" dirty="0" smtClean="0"/>
+              <a:t> </a:t>
+            </a:r>
+            <a:r>
+              <a:rPr lang="en-US" dirty="0"/>
+              <a:t>from a certification of completion to a completed </a:t>
+            </a:r>
+            <a:r>
+              <a:rPr lang="en-US" dirty="0" smtClean="0"/>
+              <a:t>degree</a:t>
+            </a:r>
+          </a:p>
+          <a:p>
+            <a:r>
+              <a:rPr lang="en-US" dirty="0">
+                <a:hlinkClick r:id="rId4"/>
+              </a:rPr>
+              <a:t>https://www.edx.org</a:t>
+            </a:r>
+            <a:r>
+              <a:rPr lang="en-US" dirty="0" smtClean="0">
+                <a:hlinkClick r:id="rId4"/>
+              </a:rPr>
+              <a:t>/</a:t>
+            </a:r>
+            <a:r>
+              <a:rPr lang="en-US" dirty="0" smtClean="0"/>
+              <a:t> more academic, get certificates, but not diploma or degree</a:t>
+            </a:r>
+          </a:p>
+          <a:p>
+            <a:r>
+              <a:rPr lang="en-US" dirty="0" smtClean="0"/>
+              <a:t>Please let interviewers leave message since you could prepare before call them back.</a:t>
+            </a:r>
+          </a:p>
+          <a:p>
+            <a:r>
+              <a:rPr lang="en-US" dirty="0" smtClean="0"/>
+              <a:t>If you get call from interviewer on Wednesday or later, please postpone to next week </a:t>
+            </a:r>
+          </a:p>
+          <a:p>
+            <a:r>
+              <a:rPr lang="en-US" dirty="0" smtClean="0"/>
+              <a:t>Ask export for mock up interview</a:t>
+            </a:r>
+          </a:p>
+          <a:p>
+            <a:endParaRPr lang="en-US" dirty="0" smtClean="0"/>
+          </a:p>
+          <a:p>
+            <a:endParaRPr lang="en-US" dirty="0"/>
+          </a:p>
+        </p:txBody>
+      </p:sp>
+    </p:spTree>
+    <p:extLst>
+      <p:ext uri="{BB962C8B-B14F-4D97-AF65-F5344CB8AC3E}">
+        <p14:creationId xmlns:p14="http://schemas.microsoft.com/office/powerpoint/2010/main" val="3831198113"/>
+      </p:ext>
+    </p:extLst>
+  </p:cSld>
+  <p:clrMapOvr>
+    <a:masterClrMapping/>
+  </p:clrMapOvr>
+</p:sld>
+</file>
+
+<file path=ppt/slides/slide7.xml><?xml version="1.0" encoding="utf-8"?>
 <p:sld xmlns:a="http://schemas.openxmlformats.org/drawingml/2006/main" xmlns:r="http://schemas.openxmlformats.org/officeDocument/2006/relationships" xmlns:p="http://schemas.openxmlformats.org/presentationml/2006/main">
   <p:cSld>
     <p:spTree>
@@ -14043,6 +14262,13 @@
   <p:clrMapOvr>
     <a:masterClrMapping/>
   </p:clrMapOvr>
+  <p:timing>
+    <p:tnLst>
+      <p:par>
+        <p:cTn id="1" dur="indefinite" restart="never" nodeType="tmRoot"/>
+      </p:par>
+    </p:tnLst>
+  </p:timing>
 </p:sld>
 </file>
 

--- a/DataDrivenJobHunting.pptx
+++ b/DataDrivenJobHunting.pptx
@@ -8,8 +8,8 @@
     <p:sldId id="256" r:id="rId2"/>
     <p:sldId id="257" r:id="rId3"/>
     <p:sldId id="258" r:id="rId4"/>
-    <p:sldId id="261" r:id="rId5"/>
-    <p:sldId id="260" r:id="rId6"/>
+    <p:sldId id="260" r:id="rId5"/>
+    <p:sldId id="261" r:id="rId6"/>
     <p:sldId id="264" r:id="rId7"/>
     <p:sldId id="263" r:id="rId8"/>
   </p:sldIdLst>
@@ -294,7 +294,7 @@
           </a:lstStyle>
           <a:p>
             <a:r>
-              <a:rPr lang="en-US" smtClean="0"/>
+              <a:rPr lang="en-US"/>
               <a:t>Click to edit Master title style</a:t>
             </a:r>
             <a:endParaRPr lang="en-US" dirty="0"/>
@@ -414,7 +414,7 @@
           </a:lstStyle>
           <a:p>
             <a:r>
-              <a:rPr lang="en-US" smtClean="0"/>
+              <a:rPr lang="en-US"/>
               <a:t>Click to edit Master subtitle style</a:t>
             </a:r>
             <a:endParaRPr lang="en-US" dirty="0"/>
@@ -454,7 +454,7 @@
             <a:fld id="{5923F103-BC34-4FE4-A40E-EDDEECFDA5D0}" type="datetimeFigureOut">
               <a:rPr lang="en-US" dirty="0"/>
               <a:pPr/>
-              <a:t>4/30/2019</a:t>
+              <a:t>5/2/2019</a:t>
             </a:fld>
             <a:endParaRPr lang="en-US" dirty="0"/>
           </a:p>
@@ -1365,7 +1365,7 @@
           </a:lstStyle>
           <a:p>
             <a:r>
-              <a:rPr lang="en-US" smtClean="0"/>
+              <a:rPr lang="en-US"/>
               <a:t>Click to edit Master title style</a:t>
             </a:r>
             <a:endParaRPr lang="en-US" dirty="0"/>
@@ -1444,7 +1444,7 @@
           </a:lstStyle>
           <a:p>
             <a:r>
-              <a:rPr lang="en-US" smtClean="0"/>
+              <a:rPr lang="en-US"/>
               <a:t>Click icon to add picture</a:t>
             </a:r>
             <a:endParaRPr lang="en-US" dirty="0"/>
@@ -1519,7 +1519,7 @@
           <a:p>
             <a:pPr lvl="0"/>
             <a:r>
-              <a:rPr lang="en-US" smtClean="0"/>
+              <a:rPr lang="en-US"/>
               <a:t>Click to edit Master text styles</a:t>
             </a:r>
           </a:p>
@@ -1542,7 +1542,7 @@
           <a:p>
             <a:fld id="{923A1CC3-2375-41D4-9E03-427CAF2A4C1A}" type="datetimeFigureOut">
               <a:rPr lang="en-US" dirty="0"/>
-              <a:t>4/30/2019</a:t>
+              <a:t>5/2/2019</a:t>
             </a:fld>
             <a:endParaRPr lang="en-US" dirty="0"/>
           </a:p>
@@ -2431,7 +2431,7 @@
           </a:lstStyle>
           <a:p>
             <a:r>
-              <a:rPr lang="en-US" smtClean="0"/>
+              <a:rPr lang="en-US"/>
               <a:t>Click to edit Master title style</a:t>
             </a:r>
             <a:endParaRPr lang="en-US" dirty="0"/>
@@ -2499,7 +2499,7 @@
           <a:p>
             <a:pPr lvl="0"/>
             <a:r>
-              <a:rPr lang="en-US" smtClean="0"/>
+              <a:rPr lang="en-US"/>
               <a:t>Click to edit Master text styles</a:t>
             </a:r>
           </a:p>
@@ -2522,7 +2522,7 @@
           <a:p>
             <a:fld id="{AFF16868-8199-4C2C-A5B1-63AEE139F88E}" type="datetimeFigureOut">
               <a:rPr lang="en-US" dirty="0"/>
-              <a:t>4/30/2019</a:t>
+              <a:t>5/2/2019</a:t>
             </a:fld>
             <a:endParaRPr lang="en-US" dirty="0"/>
           </a:p>
@@ -3489,7 +3489,7 @@
           </a:lstStyle>
           <a:p>
             <a:r>
-              <a:rPr lang="en-US" smtClean="0"/>
+              <a:rPr lang="en-US"/>
               <a:t>Click to edit Master title style</a:t>
             </a:r>
             <a:endParaRPr lang="en-US" dirty="0"/>
@@ -3566,7 +3566,7 @@
           <a:p>
             <a:pPr lvl="0"/>
             <a:r>
-              <a:rPr lang="en-US" smtClean="0"/>
+              <a:rPr lang="en-US"/>
               <a:t>Click to edit Master text styles</a:t>
             </a:r>
           </a:p>
@@ -3633,7 +3633,7 @@
           <a:p>
             <a:pPr lvl="0"/>
             <a:r>
-              <a:rPr lang="en-US" smtClean="0"/>
+              <a:rPr lang="en-US"/>
               <a:t>Click to edit Master text styles</a:t>
             </a:r>
           </a:p>
@@ -3656,7 +3656,7 @@
           <a:p>
             <a:fld id="{AAD9FF7F-6988-44CC-821B-644E70CD2F73}" type="datetimeFigureOut">
               <a:rPr lang="en-US" dirty="0"/>
-              <a:t>4/30/2019</a:t>
+              <a:t>5/2/2019</a:t>
             </a:fld>
             <a:endParaRPr lang="en-US" dirty="0"/>
           </a:p>
@@ -4545,7 +4545,7 @@
           </a:lstStyle>
           <a:p>
             <a:r>
-              <a:rPr lang="en-US" smtClean="0"/>
+              <a:rPr lang="en-US"/>
               <a:t>Click to edit Master title style</a:t>
             </a:r>
             <a:endParaRPr lang="en-US" dirty="0"/>
@@ -4666,7 +4666,7 @@
           <a:p>
             <a:pPr lvl="0"/>
             <a:r>
-              <a:rPr lang="en-US" smtClean="0"/>
+              <a:rPr lang="en-US"/>
               <a:t>Click to edit Master text styles</a:t>
             </a:r>
           </a:p>
@@ -4689,7 +4689,7 @@
           <a:p>
             <a:fld id="{5C12C299-16B2-4475-990D-751901EACC14}" type="datetimeFigureOut">
               <a:rPr lang="en-US" dirty="0"/>
-              <a:t>4/30/2019</a:t>
+              <a:t>5/2/2019</a:t>
             </a:fld>
             <a:endParaRPr lang="en-US" dirty="0"/>
           </a:p>
@@ -4828,7 +4828,7 @@
           </a:lstStyle>
           <a:p>
             <a:r>
-              <a:rPr lang="en-US" smtClean="0"/>
+              <a:rPr lang="en-US"/>
               <a:t>Click to edit Master title style</a:t>
             </a:r>
             <a:endParaRPr lang="en-US" dirty="0"/>
@@ -4903,7 +4903,7 @@
           <a:p>
             <a:pPr lvl="0"/>
             <a:r>
-              <a:rPr lang="en-US" smtClean="0"/>
+              <a:rPr lang="en-US"/>
               <a:t>Click to edit Master text styles</a:t>
             </a:r>
           </a:p>
@@ -4970,7 +4970,7 @@
           <a:p>
             <a:pPr lvl="0"/>
             <a:r>
-              <a:rPr lang="en-US" smtClean="0"/>
+              <a:rPr lang="en-US"/>
               <a:t>Click to edit Master text styles</a:t>
             </a:r>
           </a:p>
@@ -5044,7 +5044,7 @@
           <a:p>
             <a:pPr lvl="0"/>
             <a:r>
-              <a:rPr lang="en-US" smtClean="0"/>
+              <a:rPr lang="en-US"/>
               <a:t>Click to edit Master text styles</a:t>
             </a:r>
           </a:p>
@@ -5111,7 +5111,7 @@
           <a:p>
             <a:pPr lvl="0"/>
             <a:r>
-              <a:rPr lang="en-US" smtClean="0"/>
+              <a:rPr lang="en-US"/>
               <a:t>Click to edit Master text styles</a:t>
             </a:r>
           </a:p>
@@ -5185,7 +5185,7 @@
           <a:p>
             <a:pPr lvl="0"/>
             <a:r>
-              <a:rPr lang="en-US" smtClean="0"/>
+              <a:rPr lang="en-US"/>
               <a:t>Click to edit Master text styles</a:t>
             </a:r>
           </a:p>
@@ -5252,7 +5252,7 @@
           <a:p>
             <a:pPr lvl="0"/>
             <a:r>
-              <a:rPr lang="en-US" smtClean="0"/>
+              <a:rPr lang="en-US"/>
               <a:t>Click to edit Master text styles</a:t>
             </a:r>
           </a:p>
@@ -5349,7 +5349,7 @@
           <a:p>
             <a:fld id="{9FE86839-B9D8-4651-8783-F325ECE74E65}" type="datetimeFigureOut">
               <a:rPr lang="en-US" dirty="0"/>
-              <a:t>4/30/2019</a:t>
+              <a:t>5/2/2019</a:t>
             </a:fld>
             <a:endParaRPr lang="en-US" dirty="0"/>
           </a:p>
@@ -5452,7 +5452,7 @@
           </a:lstStyle>
           <a:p>
             <a:r>
-              <a:rPr lang="en-US" smtClean="0"/>
+              <a:rPr lang="en-US"/>
               <a:t>Click to edit Master title style</a:t>
             </a:r>
             <a:endParaRPr lang="en-US" dirty="0"/>
@@ -5527,7 +5527,7 @@
           <a:p>
             <a:pPr lvl="0"/>
             <a:r>
-              <a:rPr lang="en-US" smtClean="0"/>
+              <a:rPr lang="en-US"/>
               <a:t>Click to edit Master text styles</a:t>
             </a:r>
           </a:p>
@@ -5605,7 +5605,7 @@
           </a:lstStyle>
           <a:p>
             <a:r>
-              <a:rPr lang="en-US" smtClean="0"/>
+              <a:rPr lang="en-US"/>
               <a:t>Click icon to add picture</a:t>
             </a:r>
             <a:endParaRPr lang="en-US" dirty="0"/>
@@ -5673,7 +5673,7 @@
           <a:p>
             <a:pPr lvl="0"/>
             <a:r>
-              <a:rPr lang="en-US" smtClean="0"/>
+              <a:rPr lang="en-US"/>
               <a:t>Click to edit Master text styles</a:t>
             </a:r>
           </a:p>
@@ -5747,7 +5747,7 @@
           <a:p>
             <a:pPr lvl="0"/>
             <a:r>
-              <a:rPr lang="en-US" smtClean="0"/>
+              <a:rPr lang="en-US"/>
               <a:t>Click to edit Master text styles</a:t>
             </a:r>
           </a:p>
@@ -5825,7 +5825,7 @@
           </a:lstStyle>
           <a:p>
             <a:r>
-              <a:rPr lang="en-US" smtClean="0"/>
+              <a:rPr lang="en-US"/>
               <a:t>Click icon to add picture</a:t>
             </a:r>
             <a:endParaRPr lang="en-US" dirty="0"/>
@@ -5893,7 +5893,7 @@
           <a:p>
             <a:pPr lvl="0"/>
             <a:r>
-              <a:rPr lang="en-US" smtClean="0"/>
+              <a:rPr lang="en-US"/>
               <a:t>Click to edit Master text styles</a:t>
             </a:r>
           </a:p>
@@ -5967,7 +5967,7 @@
           <a:p>
             <a:pPr lvl="0"/>
             <a:r>
-              <a:rPr lang="en-US" smtClean="0"/>
+              <a:rPr lang="en-US"/>
               <a:t>Click to edit Master text styles</a:t>
             </a:r>
           </a:p>
@@ -6045,7 +6045,7 @@
           </a:lstStyle>
           <a:p>
             <a:r>
-              <a:rPr lang="en-US" smtClean="0"/>
+              <a:rPr lang="en-US"/>
               <a:t>Click icon to add picture</a:t>
             </a:r>
             <a:endParaRPr lang="en-US" dirty="0"/>
@@ -6113,7 +6113,7 @@
           <a:p>
             <a:pPr lvl="0"/>
             <a:r>
-              <a:rPr lang="en-US" smtClean="0"/>
+              <a:rPr lang="en-US"/>
               <a:t>Click to edit Master text styles</a:t>
             </a:r>
           </a:p>
@@ -6210,7 +6210,7 @@
           <a:p>
             <a:fld id="{FD484F64-32F6-45C5-931F-ADC1662401D0}" type="datetimeFigureOut">
               <a:rPr lang="en-US" dirty="0"/>
-              <a:t>4/30/2019</a:t>
+              <a:t>5/2/2019</a:t>
             </a:fld>
             <a:endParaRPr lang="en-US" dirty="0"/>
           </a:p>
@@ -6314,7 +6314,7 @@
           <a:lstStyle/>
           <a:p>
             <a:r>
-              <a:rPr lang="en-US" smtClean="0"/>
+              <a:rPr lang="en-US"/>
               <a:t>Click to edit Master title style</a:t>
             </a:r>
             <a:endParaRPr lang="en-US" dirty="0"/>
@@ -6343,35 +6343,35 @@
           <a:p>
             <a:pPr lvl="0"/>
             <a:r>
-              <a:rPr lang="en-US" smtClean="0"/>
+              <a:rPr lang="en-US"/>
               <a:t>Click to edit Master text styles</a:t>
             </a:r>
           </a:p>
           <a:p>
             <a:pPr lvl="1"/>
             <a:r>
-              <a:rPr lang="en-US" smtClean="0"/>
+              <a:rPr lang="en-US"/>
               <a:t>Second level</a:t>
             </a:r>
           </a:p>
           <a:p>
             <a:pPr lvl="2"/>
             <a:r>
-              <a:rPr lang="en-US" smtClean="0"/>
+              <a:rPr lang="en-US"/>
               <a:t>Third level</a:t>
             </a:r>
           </a:p>
           <a:p>
             <a:pPr lvl="3"/>
             <a:r>
-              <a:rPr lang="en-US" smtClean="0"/>
+              <a:rPr lang="en-US"/>
               <a:t>Fourth level</a:t>
             </a:r>
           </a:p>
           <a:p>
             <a:pPr lvl="4"/>
             <a:r>
-              <a:rPr lang="en-US" smtClean="0"/>
+              <a:rPr lang="en-US"/>
               <a:t>Fifth level</a:t>
             </a:r>
             <a:endParaRPr lang="en-US" dirty="0"/>
@@ -6400,7 +6400,7 @@
           <a:p>
             <a:fld id="{53086D93-FCAC-47E0-A2EE-787E62CA814C}" type="datetimeFigureOut">
               <a:rPr lang="en-US" dirty="0"/>
-              <a:t>4/30/2019</a:t>
+              <a:t>5/2/2019</a:t>
             </a:fld>
             <a:endParaRPr lang="en-US" dirty="0"/>
           </a:p>
@@ -7286,7 +7286,7 @@
           <a:lstStyle/>
           <a:p>
             <a:r>
-              <a:rPr lang="en-US" smtClean="0"/>
+              <a:rPr lang="en-US"/>
               <a:t>Click to edit Master title style</a:t>
             </a:r>
             <a:endParaRPr lang="en-US" dirty="0"/>
@@ -7315,35 +7315,35 @@
           <a:p>
             <a:pPr lvl="0"/>
             <a:r>
-              <a:rPr lang="en-US" smtClean="0"/>
+              <a:rPr lang="en-US"/>
               <a:t>Click to edit Master text styles</a:t>
             </a:r>
           </a:p>
           <a:p>
             <a:pPr lvl="1"/>
             <a:r>
-              <a:rPr lang="en-US" smtClean="0"/>
+              <a:rPr lang="en-US"/>
               <a:t>Second level</a:t>
             </a:r>
           </a:p>
           <a:p>
             <a:pPr lvl="2"/>
             <a:r>
-              <a:rPr lang="en-US" smtClean="0"/>
+              <a:rPr lang="en-US"/>
               <a:t>Third level</a:t>
             </a:r>
           </a:p>
           <a:p>
             <a:pPr lvl="3"/>
             <a:r>
-              <a:rPr lang="en-US" smtClean="0"/>
+              <a:rPr lang="en-US"/>
               <a:t>Fourth level</a:t>
             </a:r>
           </a:p>
           <a:p>
             <a:pPr lvl="4"/>
             <a:r>
-              <a:rPr lang="en-US" smtClean="0"/>
+              <a:rPr lang="en-US"/>
               <a:t>Fifth level</a:t>
             </a:r>
             <a:endParaRPr lang="en-US" dirty="0"/>
@@ -7372,7 +7372,7 @@
           <a:p>
             <a:fld id="{CDA879A6-0FD0-4734-A311-86BFCA472E6E}" type="datetimeFigureOut">
               <a:rPr lang="en-US" dirty="0"/>
-              <a:t>4/30/2019</a:t>
+              <a:t>5/2/2019</a:t>
             </a:fld>
             <a:endParaRPr lang="en-US" dirty="0"/>
           </a:p>
@@ -7502,7 +7502,7 @@
           <a:lstStyle/>
           <a:p>
             <a:r>
-              <a:rPr lang="en-US" smtClean="0"/>
+              <a:rPr lang="en-US"/>
               <a:t>Click to edit Master title style</a:t>
             </a:r>
             <a:endParaRPr lang="en-US" dirty="0"/>
@@ -7531,35 +7531,35 @@
           <a:p>
             <a:pPr lvl="0"/>
             <a:r>
-              <a:rPr lang="en-US" smtClean="0"/>
+              <a:rPr lang="en-US"/>
               <a:t>Click to edit Master text styles</a:t>
             </a:r>
           </a:p>
           <a:p>
             <a:pPr lvl="1"/>
             <a:r>
-              <a:rPr lang="en-US" smtClean="0"/>
+              <a:rPr lang="en-US"/>
               <a:t>Second level</a:t>
             </a:r>
           </a:p>
           <a:p>
             <a:pPr lvl="2"/>
             <a:r>
-              <a:rPr lang="en-US" smtClean="0"/>
+              <a:rPr lang="en-US"/>
               <a:t>Third level</a:t>
             </a:r>
           </a:p>
           <a:p>
             <a:pPr lvl="3"/>
             <a:r>
-              <a:rPr lang="en-US" smtClean="0"/>
+              <a:rPr lang="en-US"/>
               <a:t>Fourth level</a:t>
             </a:r>
           </a:p>
           <a:p>
             <a:pPr lvl="4"/>
             <a:r>
-              <a:rPr lang="en-US" smtClean="0"/>
+              <a:rPr lang="en-US"/>
               <a:t>Fifth level</a:t>
             </a:r>
             <a:endParaRPr lang="en-US" dirty="0"/>
@@ -7583,7 +7583,7 @@
           <a:p>
             <a:fld id="{19C9CA7B-DFD4-44B5-8C60-D14B8CD1FB59}" type="datetimeFigureOut">
               <a:rPr lang="en-US" dirty="0"/>
-              <a:t>4/30/2019</a:t>
+              <a:t>5/2/2019</a:t>
             </a:fld>
             <a:endParaRPr lang="en-US" dirty="0"/>
           </a:p>
@@ -8473,7 +8473,7 @@
           </a:lstStyle>
           <a:p>
             <a:r>
-              <a:rPr lang="en-US" smtClean="0"/>
+              <a:rPr lang="en-US"/>
               <a:t>Click to edit Master title style</a:t>
             </a:r>
             <a:endParaRPr lang="en-US" dirty="0"/>
@@ -8594,7 +8594,7 @@
           <a:p>
             <a:pPr lvl="0"/>
             <a:r>
-              <a:rPr lang="en-US" smtClean="0"/>
+              <a:rPr lang="en-US"/>
               <a:t>Click to edit Master text styles</a:t>
             </a:r>
           </a:p>
@@ -8617,7 +8617,7 @@
           <a:p>
             <a:fld id="{F34E6425-0181-43F2-84FC-787E803FD2F8}" type="datetimeFigureOut">
               <a:rPr lang="en-US" dirty="0"/>
-              <a:t>4/30/2019</a:t>
+              <a:t>5/2/2019</a:t>
             </a:fld>
             <a:endParaRPr lang="en-US" dirty="0"/>
           </a:p>
@@ -8747,7 +8747,7 @@
           <a:lstStyle/>
           <a:p>
             <a:r>
-              <a:rPr lang="en-US" smtClean="0"/>
+              <a:rPr lang="en-US"/>
               <a:t>Click to edit Master title style</a:t>
             </a:r>
             <a:endParaRPr lang="en-US" dirty="0"/>
@@ -8778,35 +8778,35 @@
           <a:p>
             <a:pPr lvl="0"/>
             <a:r>
-              <a:rPr lang="en-US" smtClean="0"/>
+              <a:rPr lang="en-US"/>
               <a:t>Click to edit Master text styles</a:t>
             </a:r>
           </a:p>
           <a:p>
             <a:pPr lvl="1"/>
             <a:r>
-              <a:rPr lang="en-US" smtClean="0"/>
+              <a:rPr lang="en-US"/>
               <a:t>Second level</a:t>
             </a:r>
           </a:p>
           <a:p>
             <a:pPr lvl="2"/>
             <a:r>
-              <a:rPr lang="en-US" smtClean="0"/>
+              <a:rPr lang="en-US"/>
               <a:t>Third level</a:t>
             </a:r>
           </a:p>
           <a:p>
             <a:pPr lvl="3"/>
             <a:r>
-              <a:rPr lang="en-US" smtClean="0"/>
+              <a:rPr lang="en-US"/>
               <a:t>Fourth level</a:t>
             </a:r>
           </a:p>
           <a:p>
             <a:pPr lvl="4"/>
             <a:r>
-              <a:rPr lang="en-US" smtClean="0"/>
+              <a:rPr lang="en-US"/>
               <a:t>Fifth level</a:t>
             </a:r>
             <a:endParaRPr lang="en-US" dirty="0"/>
@@ -8837,35 +8837,35 @@
           <a:p>
             <a:pPr lvl="0"/>
             <a:r>
-              <a:rPr lang="en-US" smtClean="0"/>
+              <a:rPr lang="en-US"/>
               <a:t>Click to edit Master text styles</a:t>
             </a:r>
           </a:p>
           <a:p>
             <a:pPr lvl="1"/>
             <a:r>
-              <a:rPr lang="en-US" smtClean="0"/>
+              <a:rPr lang="en-US"/>
               <a:t>Second level</a:t>
             </a:r>
           </a:p>
           <a:p>
             <a:pPr lvl="2"/>
             <a:r>
-              <a:rPr lang="en-US" smtClean="0"/>
+              <a:rPr lang="en-US"/>
               <a:t>Third level</a:t>
             </a:r>
           </a:p>
           <a:p>
             <a:pPr lvl="3"/>
             <a:r>
-              <a:rPr lang="en-US" smtClean="0"/>
+              <a:rPr lang="en-US"/>
               <a:t>Fourth level</a:t>
             </a:r>
           </a:p>
           <a:p>
             <a:pPr lvl="4"/>
             <a:r>
-              <a:rPr lang="en-US" smtClean="0"/>
+              <a:rPr lang="en-US"/>
               <a:t>Fifth level</a:t>
             </a:r>
             <a:endParaRPr lang="en-US" dirty="0"/>
@@ -8889,7 +8889,7 @@
           <a:p>
             <a:fld id="{3BDB8791-F1B0-41E7-B7FD-A781E65C4266}" type="datetimeFigureOut">
               <a:rPr lang="en-US" dirty="0"/>
-              <a:t>4/30/2019</a:t>
+              <a:t>5/2/2019</a:t>
             </a:fld>
             <a:endParaRPr lang="en-US" dirty="0"/>
           </a:p>
@@ -8987,7 +8987,7 @@
           </a:lstStyle>
           <a:p>
             <a:r>
-              <a:rPr lang="en-US" smtClean="0"/>
+              <a:rPr lang="en-US"/>
               <a:t>Click to edit Master title style</a:t>
             </a:r>
             <a:endParaRPr lang="en-US" dirty="0"/>
@@ -9059,7 +9059,7 @@
           <a:p>
             <a:pPr lvl="0"/>
             <a:r>
-              <a:rPr lang="en-US" smtClean="0"/>
+              <a:rPr lang="en-US"/>
               <a:t>Click to edit Master text styles</a:t>
             </a:r>
           </a:p>
@@ -9089,35 +9089,35 @@
           <a:p>
             <a:pPr lvl="0"/>
             <a:r>
-              <a:rPr lang="en-US" smtClean="0"/>
+              <a:rPr lang="en-US"/>
               <a:t>Click to edit Master text styles</a:t>
             </a:r>
           </a:p>
           <a:p>
             <a:pPr lvl="1"/>
             <a:r>
-              <a:rPr lang="en-US" smtClean="0"/>
+              <a:rPr lang="en-US"/>
               <a:t>Second level</a:t>
             </a:r>
           </a:p>
           <a:p>
             <a:pPr lvl="2"/>
             <a:r>
-              <a:rPr lang="en-US" smtClean="0"/>
+              <a:rPr lang="en-US"/>
               <a:t>Third level</a:t>
             </a:r>
           </a:p>
           <a:p>
             <a:pPr lvl="3"/>
             <a:r>
-              <a:rPr lang="en-US" smtClean="0"/>
+              <a:rPr lang="en-US"/>
               <a:t>Fourth level</a:t>
             </a:r>
           </a:p>
           <a:p>
             <a:pPr lvl="4"/>
             <a:r>
-              <a:rPr lang="en-US" smtClean="0"/>
+              <a:rPr lang="en-US"/>
               <a:t>Fifth level</a:t>
             </a:r>
             <a:endParaRPr lang="en-US" dirty="0"/>
@@ -9189,7 +9189,7 @@
           <a:p>
             <a:pPr lvl="0"/>
             <a:r>
-              <a:rPr lang="en-US" smtClean="0"/>
+              <a:rPr lang="en-US"/>
               <a:t>Click to edit Master text styles</a:t>
             </a:r>
           </a:p>
@@ -9247,35 +9247,35 @@
           <a:p>
             <a:pPr lvl="0"/>
             <a:r>
-              <a:rPr lang="en-US" smtClean="0"/>
+              <a:rPr lang="en-US"/>
               <a:t>Click to edit Master text styles</a:t>
             </a:r>
           </a:p>
           <a:p>
             <a:pPr lvl="1"/>
             <a:r>
-              <a:rPr lang="en-US" smtClean="0"/>
+              <a:rPr lang="en-US"/>
               <a:t>Second level</a:t>
             </a:r>
           </a:p>
           <a:p>
             <a:pPr lvl="2"/>
             <a:r>
-              <a:rPr lang="en-US" smtClean="0"/>
+              <a:rPr lang="en-US"/>
               <a:t>Third level</a:t>
             </a:r>
           </a:p>
           <a:p>
             <a:pPr lvl="3"/>
             <a:r>
-              <a:rPr lang="en-US" smtClean="0"/>
+              <a:rPr lang="en-US"/>
               <a:t>Fourth level</a:t>
             </a:r>
           </a:p>
           <a:p>
             <a:pPr lvl="4"/>
             <a:r>
-              <a:rPr lang="en-US" smtClean="0"/>
+              <a:rPr lang="en-US"/>
               <a:t>Fifth level</a:t>
             </a:r>
             <a:endParaRPr lang="en-US" dirty="0"/>
@@ -9299,7 +9299,7 @@
           <a:p>
             <a:fld id="{5FDD63B2-E120-4ED8-B27B-C685F510A5FE}" type="datetimeFigureOut">
               <a:rPr lang="en-US" dirty="0"/>
-              <a:t>4/30/2019</a:t>
+              <a:t>5/2/2019</a:t>
             </a:fld>
             <a:endParaRPr lang="en-US" dirty="0"/>
           </a:p>
@@ -9402,7 +9402,7 @@
           </a:lstStyle>
           <a:p>
             <a:r>
-              <a:rPr lang="en-US" smtClean="0"/>
+              <a:rPr lang="en-US"/>
               <a:t>Click to edit Master title style</a:t>
             </a:r>
             <a:endParaRPr lang="en-US" dirty="0"/>
@@ -9426,7 +9426,7 @@
           <a:p>
             <a:fld id="{7AA18ACC-A947-437B-A130-35BD54FDF1E9}" type="datetimeFigureOut">
               <a:rPr lang="en-US" dirty="0"/>
-              <a:t>4/30/2019</a:t>
+              <a:t>5/2/2019</a:t>
             </a:fld>
             <a:endParaRPr lang="en-US" dirty="0"/>
           </a:p>
@@ -9521,7 +9521,7 @@
           <a:p>
             <a:fld id="{7C8D7E02-BCB8-4D50-A234-369438C08659}" type="datetimeFigureOut">
               <a:rPr lang="en-US" dirty="0"/>
-              <a:t>4/30/2019</a:t>
+              <a:t>5/2/2019</a:t>
             </a:fld>
             <a:endParaRPr lang="en-US" dirty="0"/>
           </a:p>
@@ -10447,7 +10447,7 @@
           </a:lstStyle>
           <a:p>
             <a:r>
-              <a:rPr lang="en-US" smtClean="0"/>
+              <a:rPr lang="en-US"/>
               <a:t>Click to edit Master title style</a:t>
             </a:r>
             <a:endParaRPr lang="en-US" dirty="0"/>
@@ -10478,35 +10478,35 @@
           <a:p>
             <a:pPr lvl="0"/>
             <a:r>
-              <a:rPr lang="en-US" smtClean="0"/>
+              <a:rPr lang="en-US"/>
               <a:t>Click to edit Master text styles</a:t>
             </a:r>
           </a:p>
           <a:p>
             <a:pPr lvl="1"/>
             <a:r>
-              <a:rPr lang="en-US" smtClean="0"/>
+              <a:rPr lang="en-US"/>
               <a:t>Second level</a:t>
             </a:r>
           </a:p>
           <a:p>
             <a:pPr lvl="2"/>
             <a:r>
-              <a:rPr lang="en-US" smtClean="0"/>
+              <a:rPr lang="en-US"/>
               <a:t>Third level</a:t>
             </a:r>
           </a:p>
           <a:p>
             <a:pPr lvl="3"/>
             <a:r>
-              <a:rPr lang="en-US" smtClean="0"/>
+              <a:rPr lang="en-US"/>
               <a:t>Fourth level</a:t>
             </a:r>
           </a:p>
           <a:p>
             <a:pPr lvl="4"/>
             <a:r>
-              <a:rPr lang="en-US" smtClean="0"/>
+              <a:rPr lang="en-US"/>
               <a:t>Fifth level</a:t>
             </a:r>
             <a:endParaRPr lang="en-US" dirty="0"/>
@@ -10579,7 +10579,7 @@
           <a:p>
             <a:pPr lvl="0"/>
             <a:r>
-              <a:rPr lang="en-US" smtClean="0"/>
+              <a:rPr lang="en-US"/>
               <a:t>Click to edit Master text styles</a:t>
             </a:r>
           </a:p>
@@ -10602,7 +10602,7 @@
           <a:p>
             <a:fld id="{76E86A4C-8E40-4F87-A4F0-01A0687C5742}" type="datetimeFigureOut">
               <a:rPr lang="en-US" dirty="0"/>
-              <a:t>4/30/2019</a:t>
+              <a:t>5/2/2019</a:t>
             </a:fld>
             <a:endParaRPr lang="en-US" dirty="0"/>
           </a:p>
@@ -11530,7 +11530,7 @@
           </a:lstStyle>
           <a:p>
             <a:r>
-              <a:rPr lang="en-US" smtClean="0"/>
+              <a:rPr lang="en-US"/>
               <a:t>Click to edit Master title style</a:t>
             </a:r>
             <a:endParaRPr lang="en-US" dirty="0"/>
@@ -11612,7 +11612,7 @@
               <a:buNone/>
             </a:pPr>
             <a:r>
-              <a:rPr lang="en-US" smtClean="0"/>
+              <a:rPr lang="en-US"/>
               <a:t>Click icon to add picture</a:t>
             </a:r>
             <a:endParaRPr lang="en-US" dirty="0"/>
@@ -11687,7 +11687,7 @@
           <a:p>
             <a:pPr lvl="0"/>
             <a:r>
-              <a:rPr lang="en-US" smtClean="0"/>
+              <a:rPr lang="en-US"/>
               <a:t>Click to edit Master text styles</a:t>
             </a:r>
           </a:p>
@@ -11710,7 +11710,7 @@
           <a:p>
             <a:fld id="{35E72C73-2D91-4E12-BA25-F0AA0C03599B}" type="datetimeFigureOut">
               <a:rPr lang="en-US" dirty="0"/>
-              <a:t>4/30/2019</a:t>
+              <a:t>5/2/2019</a:t>
             </a:fld>
             <a:endParaRPr lang="en-US" dirty="0"/>
           </a:p>
@@ -12605,7 +12605,7 @@
           <a:lstStyle/>
           <a:p>
             <a:r>
-              <a:rPr lang="en-US" smtClean="0"/>
+              <a:rPr lang="en-US"/>
               <a:t>Click to edit Master title style</a:t>
             </a:r>
             <a:endParaRPr lang="en-US" dirty="0"/>
@@ -12639,35 +12639,35 @@
           <a:p>
             <a:pPr lvl="0"/>
             <a:r>
-              <a:rPr lang="en-US" smtClean="0"/>
+              <a:rPr lang="en-US"/>
               <a:t>Click to edit Master text styles</a:t>
             </a:r>
           </a:p>
           <a:p>
             <a:pPr lvl="1"/>
             <a:r>
-              <a:rPr lang="en-US" smtClean="0"/>
+              <a:rPr lang="en-US"/>
               <a:t>Second level</a:t>
             </a:r>
           </a:p>
           <a:p>
             <a:pPr lvl="2"/>
             <a:r>
-              <a:rPr lang="en-US" smtClean="0"/>
+              <a:rPr lang="en-US"/>
               <a:t>Third level</a:t>
             </a:r>
           </a:p>
           <a:p>
             <a:pPr lvl="3"/>
             <a:r>
-              <a:rPr lang="en-US" smtClean="0"/>
+              <a:rPr lang="en-US"/>
               <a:t>Fourth level</a:t>
             </a:r>
           </a:p>
           <a:p>
             <a:pPr lvl="4"/>
             <a:r>
-              <a:rPr lang="en-US" smtClean="0"/>
+              <a:rPr lang="en-US"/>
               <a:t>Fifth level</a:t>
             </a:r>
             <a:endParaRPr lang="en-US" dirty="0"/>
@@ -12707,7 +12707,7 @@
           <a:p>
             <a:fld id="{2BE451C3-0FF4-47C4-B829-773ADF60F88C}" type="datetimeFigureOut">
               <a:rPr lang="en-US" dirty="0"/>
-              <a:t>4/30/2019</a:t>
+              <a:t>5/2/2019</a:t>
             </a:fld>
             <a:endParaRPr lang="en-US" dirty="0"/>
           </a:p>
@@ -13288,7 +13288,7 @@
           <a:lstStyle/>
           <a:p>
             <a:r>
-              <a:rPr lang="en-CA" dirty="0" smtClean="0"/>
+              <a:rPr lang="en-CA" dirty="0"/>
               <a:t>Data Driven Job Hunting</a:t>
             </a:r>
             <a:endParaRPr lang="en-US" dirty="0"/>
@@ -13318,7 +13318,7 @@
           <a:lstStyle/>
           <a:p>
             <a:r>
-              <a:rPr lang="en-CA" sz="2400" dirty="0" smtClean="0">
+              <a:rPr lang="en-CA" sz="2400" dirty="0">
                 <a:solidFill>
                   <a:schemeClr val="bg2"/>
                 </a:solidFill>
@@ -13331,37 +13331,16 @@
                   <a:schemeClr val="bg2"/>
                 </a:solidFill>
               </a:rPr>
-              <a:t>爱</a:t>
-            </a:r>
-            <a:r>
-              <a:rPr lang="zh-CN" altLang="en-US" sz="2400" dirty="0" smtClean="0">
+              <a:t>爱城华人基督教福音堂</a:t>
+            </a:r>
+            <a:r>
+              <a:rPr lang="en-CA" sz="2400" dirty="0">
                 <a:solidFill>
                   <a:schemeClr val="bg2"/>
                 </a:solidFill>
               </a:rPr>
-              <a:t>城华人基督教福音堂</a:t>
-            </a:r>
-            <a:r>
-              <a:rPr lang="en-CA" sz="2400" dirty="0" smtClean="0">
-                <a:solidFill>
-                  <a:schemeClr val="bg2"/>
-                </a:solidFill>
-              </a:rPr>
-              <a:t>) </a:t>
-            </a:r>
-            <a:r>
-              <a:rPr lang="en-CA" sz="2400" dirty="0" smtClean="0">
-                <a:solidFill>
-                  <a:schemeClr val="bg2"/>
-                </a:solidFill>
-              </a:rPr>
-              <a:t>group; especial to Zhang Nan, Zhao Xin</a:t>
-            </a:r>
-            <a:endParaRPr lang="en-CA" sz="2400" dirty="0" smtClean="0">
-              <a:solidFill>
-                <a:schemeClr val="bg2"/>
-              </a:solidFill>
-            </a:endParaRPr>
+              <a:t>); especial to Zhang Nan, Zhao Xin</a:t>
+            </a:r>
           </a:p>
           <a:p>
             <a:r>
@@ -13402,41 +13381,25 @@
                   <a:schemeClr val="bg2"/>
                 </a:solidFill>
               </a:rPr>
-              <a:t>使冰冷孤寂的秋冬，轉成溫暖融融的春夏， 見到生命總是祝福</a:t>
-            </a:r>
-            <a:r>
-              <a:rPr lang="zh-TW" altLang="en-US" sz="2400" dirty="0" smtClean="0">
+              <a:t>使冰冷孤寂的秋冬，轉成溫暖融融的春夏， 見到生命總是祝福。</a:t>
+            </a:r>
+            <a:endParaRPr lang="en-US" sz="1200" dirty="0">
+              <a:solidFill>
+                <a:schemeClr val="bg2"/>
+              </a:solidFill>
+            </a:endParaRPr>
+          </a:p>
+          <a:p>
+            <a:r>
+              <a:rPr lang="en-US" sz="1200" dirty="0">
                 <a:solidFill>
                   <a:schemeClr val="bg2"/>
                 </a:solidFill>
               </a:rPr>
-              <a:t>。</a:t>
-            </a:r>
-            <a:endParaRPr lang="en-US" sz="1200" dirty="0" smtClean="0">
-              <a:solidFill>
-                <a:schemeClr val="bg2"/>
-              </a:solidFill>
-            </a:endParaRPr>
-          </a:p>
-          <a:p>
-            <a:r>
-              <a:rPr lang="en-US" sz="1200" dirty="0" smtClean="0">
-                <a:solidFill>
-                  <a:schemeClr val="bg2"/>
-                </a:solidFill>
-              </a:rPr>
-              <a:t>Speaker </a:t>
-            </a:r>
-            <a:r>
-              <a:rPr lang="en-US" sz="1200" dirty="0" smtClean="0">
-                <a:solidFill>
-                  <a:schemeClr val="bg2"/>
-                </a:solidFill>
-              </a:rPr>
-              <a:t>: </a:t>
-            </a:r>
-            <a:r>
-              <a:rPr lang="en-US" sz="1200" dirty="0" err="1" smtClean="0">
+              <a:t>Speaker : </a:t>
+            </a:r>
+            <a:r>
+              <a:rPr lang="en-US" sz="1200" dirty="0" err="1">
                 <a:solidFill>
                   <a:schemeClr val="bg2"/>
                 </a:solidFill>
@@ -13444,7 +13407,7 @@
               <a:t>Shenyi</a:t>
             </a:r>
             <a:r>
-              <a:rPr lang="en-US" sz="1200" dirty="0" smtClean="0">
+              <a:rPr lang="en-US" sz="1200" dirty="0">
                 <a:solidFill>
                   <a:schemeClr val="bg2"/>
                 </a:solidFill>
@@ -13452,7 +13415,7 @@
               <a:t> </a:t>
             </a:r>
             <a:r>
-              <a:rPr lang="en-US" sz="1200" dirty="0" err="1" smtClean="0">
+              <a:rPr lang="en-US" sz="1200" dirty="0" err="1">
                 <a:solidFill>
                   <a:schemeClr val="bg2"/>
                 </a:solidFill>
@@ -13460,7 +13423,7 @@
               <a:t>Bao</a:t>
             </a:r>
             <a:r>
-              <a:rPr lang="en-US" sz="1200" dirty="0" smtClean="0">
+              <a:rPr lang="en-US" sz="1200" dirty="0">
                 <a:solidFill>
                   <a:schemeClr val="bg2"/>
                 </a:solidFill>
@@ -13468,7 +13431,7 @@
               <a:t> </a:t>
             </a:r>
             <a:r>
-              <a:rPr lang="en-US" sz="1200" dirty="0" smtClean="0">
+              <a:rPr lang="en-US" sz="1200" dirty="0">
                 <a:solidFill>
                   <a:schemeClr val="bg2"/>
                 </a:solidFill>
@@ -13476,7 +13439,7 @@
               </a:rPr>
               <a:t>baoshenyi@gmail.com</a:t>
             </a:r>
-            <a:endParaRPr lang="en-US" sz="1200" dirty="0" smtClean="0">
+            <a:endParaRPr lang="en-US" sz="1200" dirty="0">
               <a:solidFill>
                 <a:schemeClr val="bg2"/>
               </a:solidFill>
@@ -13489,7 +13452,7 @@
               </a:rPr>
               <a:t>https://ca.linkedin.com/in/shenyi-bao-3b989a5</a:t>
             </a:r>
-            <a:endParaRPr lang="en-US" sz="1200" dirty="0" smtClean="0">
+            <a:endParaRPr lang="en-US" sz="1200" dirty="0">
               <a:solidFill>
                 <a:schemeClr val="bg2"/>
               </a:solidFill>
@@ -13507,13 +13470,6 @@
   <p:clrMapOvr>
     <a:masterClrMapping/>
   </p:clrMapOvr>
-  <p:timing>
-    <p:tnLst>
-      <p:par>
-        <p:cTn id="1" dur="indefinite" restart="never" nodeType="tmRoot"/>
-      </p:par>
-    </p:tnLst>
-  </p:timing>
 </p:sld>
 </file>
 
@@ -13550,10 +13506,9 @@
           <a:lstStyle/>
           <a:p>
             <a:r>
-              <a:rPr lang="en-US" dirty="0" smtClean="0"/>
+              <a:rPr lang="en-US" dirty="0"/>
               <a:t>Stages</a:t>
             </a:r>
-            <a:endParaRPr lang="en-US" dirty="0"/>
           </a:p>
         </p:txBody>
       </p:sp>
@@ -13616,7 +13571,7 @@
               </a:spcAft>
             </a:pPr>
             <a:r>
-              <a:rPr lang="en-US" sz="1200" dirty="0" smtClean="0">
+              <a:rPr lang="en-US" sz="1200" dirty="0">
                 <a:solidFill>
                   <a:srgbClr val="FF0000"/>
                 </a:solidFill>
@@ -13628,18 +13583,6 @@
               <a:t>Refer to </a:t>
             </a:r>
             <a:r>
-              <a:rPr lang="en-CA" sz="1200" dirty="0" smtClean="0">
-                <a:solidFill>
-                  <a:srgbClr val="FF0000"/>
-                </a:solidFill>
-                <a:latin typeface="Calibri" panose="020F0502020204030204" pitchFamily="34" charset="0"/>
-                <a:ea typeface="DengXian" panose="02010600030101010101" pitchFamily="2" charset="-122"/>
-                <a:cs typeface="Times New Roman" panose="02020603050405020304" pitchFamily="18" charset="0"/>
-                <a:hlinkClick r:id="rId3"/>
-              </a:rPr>
-              <a:t>https</a:t>
-            </a:r>
-            <a:r>
               <a:rPr lang="en-CA" sz="1200" dirty="0">
                 <a:solidFill>
                   <a:srgbClr val="FF0000"/>
@@ -13649,7 +13592,7 @@
                 <a:cs typeface="Times New Roman" panose="02020603050405020304" pitchFamily="18" charset="0"/>
                 <a:hlinkClick r:id="rId3"/>
               </a:rPr>
-              <a:t>://transparency.kununu.com/the-emotional-stages-of-the-job-search-infographic/</a:t>
+              <a:t>https://transparency.kununu.com/the-emotional-stages-of-the-job-search-infographic/</a:t>
             </a:r>
             <a:endParaRPr lang="en-US" sz="1200" dirty="0">
               <a:solidFill>
@@ -13673,13 +13616,6 @@
   <p:clrMapOvr>
     <a:masterClrMapping/>
   </p:clrMapOvr>
-  <p:timing>
-    <p:tnLst>
-      <p:par>
-        <p:cTn id="1" dur="indefinite" restart="never" nodeType="tmRoot"/>
-      </p:par>
-    </p:tnLst>
-  </p:timing>
 </p:sld>
 </file>
 
@@ -13716,7 +13652,7 @@
           <a:lstStyle/>
           <a:p>
             <a:r>
-              <a:rPr lang="en-US" altLang="zh-CN" dirty="0" smtClean="0"/>
+              <a:rPr lang="en-US" altLang="zh-CN" dirty="0"/>
               <a:t>Statistics to use social media</a:t>
             </a:r>
             <a:endParaRPr lang="en-US" dirty="0"/>
@@ -13829,120 +13765,10 @@
   <p:clrMapOvr>
     <a:masterClrMapping/>
   </p:clrMapOvr>
-  <p:timing>
-    <p:tnLst>
-      <p:par>
-        <p:cTn id="1" dur="indefinite" restart="never" nodeType="tmRoot"/>
-      </p:par>
-    </p:tnLst>
-  </p:timing>
 </p:sld>
 </file>
 
 <file path=ppt/slides/slide4.xml><?xml version="1.0" encoding="utf-8"?>
-<p:sld xmlns:a="http://schemas.openxmlformats.org/drawingml/2006/main" xmlns:r="http://schemas.openxmlformats.org/officeDocument/2006/relationships" xmlns:p="http://schemas.openxmlformats.org/presentationml/2006/main">
-  <p:cSld>
-    <p:spTree>
-      <p:nvGrpSpPr>
-        <p:cNvPr id="1" name=""/>
-        <p:cNvGrpSpPr/>
-        <p:nvPr/>
-      </p:nvGrpSpPr>
-      <p:grpSpPr>
-        <a:xfrm>
-          <a:off x="0" y="0"/>
-          <a:ext cx="0" cy="0"/>
-          <a:chOff x="0" y="0"/>
-          <a:chExt cx="0" cy="0"/>
-        </a:xfrm>
-      </p:grpSpPr>
-      <p:sp>
-        <p:nvSpPr>
-          <p:cNvPr id="2" name="Title 1"/>
-          <p:cNvSpPr>
-            <a:spLocks noGrp="1"/>
-          </p:cNvSpPr>
-          <p:nvPr>
-            <p:ph type="title"/>
-          </p:nvPr>
-        </p:nvSpPr>
-        <p:spPr/>
-        <p:txBody>
-          <a:bodyPr/>
-          <a:lstStyle/>
-          <a:p>
-            <a:r>
-              <a:rPr lang="en-US" dirty="0" smtClean="0"/>
-              <a:t>Download practice templates</a:t>
-            </a:r>
-            <a:endParaRPr lang="en-US" dirty="0"/>
-          </a:p>
-        </p:txBody>
-      </p:sp>
-      <p:sp>
-        <p:nvSpPr>
-          <p:cNvPr id="3" name="Content Placeholder 2"/>
-          <p:cNvSpPr>
-            <a:spLocks noGrp="1"/>
-          </p:cNvSpPr>
-          <p:nvPr>
-            <p:ph idx="1"/>
-          </p:nvPr>
-        </p:nvSpPr>
-        <p:spPr/>
-        <p:txBody>
-          <a:bodyPr/>
-          <a:lstStyle/>
-          <a:p>
-            <a:r>
-              <a:rPr lang="en-US" dirty="0">
-                <a:hlinkClick r:id="rId2"/>
-              </a:rPr>
-              <a:t>https://</a:t>
-            </a:r>
-            <a:r>
-              <a:rPr lang="en-US" dirty="0" smtClean="0">
-                <a:hlinkClick r:id="rId2"/>
-              </a:rPr>
-              <a:t>github.com/baoshenyi/DataDrivenJobHunting</a:t>
-            </a:r>
-            <a:endParaRPr lang="en-US" dirty="0" smtClean="0"/>
-          </a:p>
-          <a:p>
-            <a:r>
-              <a:rPr lang="en-US" dirty="0" smtClean="0"/>
-              <a:t>LearnWithJobPostings.xlsx</a:t>
-            </a:r>
-          </a:p>
-          <a:p>
-            <a:r>
-              <a:rPr lang="en-US" dirty="0"/>
-              <a:t>CityToGo.xlsx</a:t>
-            </a:r>
-          </a:p>
-        </p:txBody>
-      </p:sp>
-    </p:spTree>
-    <p:extLst>
-      <p:ext uri="{BB962C8B-B14F-4D97-AF65-F5344CB8AC3E}">
-        <p14:creationId xmlns:p14="http://schemas.microsoft.com/office/powerpoint/2010/main" val="4122810704"/>
-      </p:ext>
-    </p:extLst>
-  </p:cSld>
-  <p:clrMapOvr>
-    <a:masterClrMapping/>
-  </p:clrMapOvr>
-  <p:timing>
-    <p:tnLst>
-      <p:par>
-        <p:cTn id="1" dur="indefinite" restart="never" nodeType="tmRoot"/>
-      </p:par>
-    </p:tnLst>
-  </p:timing>
-</p:sld>
-</file>
-
-<file path=ppt/slides/slide5.xml><?xml version="1.0" encoding="utf-8"?>
 <p:sld xmlns:a="http://schemas.openxmlformats.org/drawingml/2006/main" xmlns:r="http://schemas.openxmlformats.org/officeDocument/2006/relationships" xmlns:p="http://schemas.openxmlformats.org/presentationml/2006/main">
   <p:cSld>
     <p:spTree>
@@ -14002,13 +13828,95 @@
   <p:clrMapOvr>
     <a:masterClrMapping/>
   </p:clrMapOvr>
-  <p:timing>
-    <p:tnLst>
-      <p:par>
-        <p:cTn id="1" dur="indefinite" restart="never" nodeType="tmRoot"/>
-      </p:par>
-    </p:tnLst>
-  </p:timing>
+</p:sld>
+</file>
+
+<file path=ppt/slides/slide5.xml><?xml version="1.0" encoding="utf-8"?>
+<p:sld xmlns:a="http://schemas.openxmlformats.org/drawingml/2006/main" xmlns:r="http://schemas.openxmlformats.org/officeDocument/2006/relationships" xmlns:p="http://schemas.openxmlformats.org/presentationml/2006/main">
+  <p:cSld>
+    <p:spTree>
+      <p:nvGrpSpPr>
+        <p:cNvPr id="1" name=""/>
+        <p:cNvGrpSpPr/>
+        <p:nvPr/>
+      </p:nvGrpSpPr>
+      <p:grpSpPr>
+        <a:xfrm>
+          <a:off x="0" y="0"/>
+          <a:ext cx="0" cy="0"/>
+          <a:chOff x="0" y="0"/>
+          <a:chExt cx="0" cy="0"/>
+        </a:xfrm>
+      </p:grpSpPr>
+      <p:sp>
+        <p:nvSpPr>
+          <p:cNvPr id="2" name="Title 1"/>
+          <p:cNvSpPr>
+            <a:spLocks noGrp="1"/>
+          </p:cNvSpPr>
+          <p:nvPr>
+            <p:ph type="title"/>
+          </p:nvPr>
+        </p:nvSpPr>
+        <p:spPr/>
+        <p:txBody>
+          <a:bodyPr/>
+          <a:lstStyle/>
+          <a:p>
+            <a:r>
+              <a:rPr lang="en-US" dirty="0"/>
+              <a:t>Download practice templates</a:t>
+            </a:r>
+          </a:p>
+        </p:txBody>
+      </p:sp>
+      <p:sp>
+        <p:nvSpPr>
+          <p:cNvPr id="3" name="Content Placeholder 2"/>
+          <p:cNvSpPr>
+            <a:spLocks noGrp="1"/>
+          </p:cNvSpPr>
+          <p:nvPr>
+            <p:ph idx="1"/>
+          </p:nvPr>
+        </p:nvSpPr>
+        <p:spPr/>
+        <p:txBody>
+          <a:bodyPr/>
+          <a:lstStyle/>
+          <a:p>
+            <a:r>
+              <a:rPr lang="en-US" dirty="0">
+                <a:hlinkClick r:id="rId2"/>
+              </a:rPr>
+              <a:t>https://github.com/baoshenyi/DataDrivenJobHunting</a:t>
+            </a:r>
+            <a:endParaRPr lang="en-US" dirty="0"/>
+          </a:p>
+          <a:p>
+            <a:r>
+              <a:rPr lang="en-US" dirty="0"/>
+              <a:t>LearnWithJobPostings.xlsx</a:t>
+            </a:r>
+          </a:p>
+          <a:p>
+            <a:r>
+              <a:rPr lang="en-US" dirty="0"/>
+              <a:t>CityToGo.xlsx</a:t>
+            </a:r>
+          </a:p>
+        </p:txBody>
+      </p:sp>
+    </p:spTree>
+    <p:extLst>
+      <p:ext uri="{BB962C8B-B14F-4D97-AF65-F5344CB8AC3E}">
+        <p14:creationId xmlns:p14="http://schemas.microsoft.com/office/powerpoint/2010/main" val="4122810704"/>
+      </p:ext>
+    </p:extLst>
+  </p:cSld>
+  <p:clrMapOvr>
+    <a:masterClrMapping/>
+  </p:clrMapOvr>
 </p:sld>
 </file>
 
@@ -14045,10 +13953,9 @@
           <a:lstStyle/>
           <a:p>
             <a:r>
-              <a:rPr lang="en-US" dirty="0" smtClean="0"/>
+              <a:rPr lang="en-US" dirty="0"/>
               <a:t>Online resources and interview tips</a:t>
             </a:r>
-            <a:endParaRPr lang="en-US" dirty="0"/>
           </a:p>
         </p:txBody>
       </p:sp>
@@ -14076,80 +13983,51 @@
               <a:rPr lang="en-US" dirty="0">
                 <a:hlinkClick r:id="rId2"/>
               </a:rPr>
-              <a:t>https://</a:t>
-            </a:r>
-            <a:r>
-              <a:rPr lang="en-US" dirty="0" smtClean="0">
-                <a:hlinkClick r:id="rId2"/>
-              </a:rPr>
-              <a:t>www.udemy.com</a:t>
-            </a:r>
-            <a:endParaRPr lang="en-US" dirty="0" smtClean="0"/>
+              <a:t>https://www.udemy.com</a:t>
+            </a:r>
+            <a:endParaRPr lang="en-US" dirty="0"/>
           </a:p>
           <a:p>
             <a:r>
               <a:rPr lang="en-US" dirty="0">
                 <a:hlinkClick r:id="rId3"/>
               </a:rPr>
-              <a:t>https://</a:t>
-            </a:r>
-            <a:r>
-              <a:rPr lang="en-US" dirty="0" smtClean="0">
-                <a:hlinkClick r:id="rId3"/>
-              </a:rPr>
-              <a:t>www.coursera.org</a:t>
-            </a:r>
-            <a:r>
-              <a:rPr lang="en-US" dirty="0" smtClean="0"/>
-              <a:t> </a:t>
+              <a:t>https://www.coursera.org</a:t>
             </a:r>
             <a:r>
               <a:rPr lang="en-US" dirty="0"/>
-              <a:t>from a certification of completion to a completed </a:t>
-            </a:r>
-            <a:r>
-              <a:rPr lang="en-US" dirty="0" smtClean="0"/>
-              <a:t>degree</a:t>
-            </a:r>
-          </a:p>
-          <a:p>
-            <a:r>
-              <a:rPr lang="en-US" dirty="0">
+              <a:t> from a certification of completion to a completed degree</a:t>
+            </a:r>
+          </a:p>
+          <a:p>
+            <a:r>
+              <a:rPr lang="en-CA" dirty="0">
                 <a:hlinkClick r:id="rId4"/>
               </a:rPr>
-              <a:t>https://www.edx.org</a:t>
-            </a:r>
-            <a:r>
-              <a:rPr lang="en-US" dirty="0" smtClean="0">
-                <a:hlinkClick r:id="rId4"/>
-              </a:rPr>
-              <a:t>/</a:t>
-            </a:r>
-            <a:r>
-              <a:rPr lang="en-US" dirty="0" smtClean="0"/>
-              <a:t> more academic, get certificates, but not diploma or degree</a:t>
-            </a:r>
-          </a:p>
-          <a:p>
-            <a:r>
-              <a:rPr lang="en-US" dirty="0" smtClean="0"/>
+              <a:t>https://www.meetup.com/Edmonton-NET-User-Group/about/</a:t>
+            </a:r>
+            <a:endParaRPr lang="en-CA" dirty="0"/>
+          </a:p>
+          <a:p>
+            <a:r>
+              <a:rPr lang="en-US" dirty="0"/>
               <a:t>Please let interviewers leave message since you could prepare before call them back.</a:t>
             </a:r>
           </a:p>
           <a:p>
             <a:r>
-              <a:rPr lang="en-US" dirty="0" smtClean="0"/>
+              <a:rPr lang="en-US" dirty="0"/>
               <a:t>If you get call from interviewer on Wednesday or later, please postpone to next week </a:t>
             </a:r>
           </a:p>
           <a:p>
             <a:r>
-              <a:rPr lang="en-US" dirty="0" smtClean="0"/>
+              <a:rPr lang="en-US" dirty="0"/>
               <a:t>Ask export for mock up interview</a:t>
             </a:r>
           </a:p>
           <a:p>
-            <a:endParaRPr lang="en-US" dirty="0" smtClean="0"/>
+            <a:endParaRPr lang="en-US" dirty="0"/>
           </a:p>
           <a:p>
             <a:endParaRPr lang="en-US" dirty="0"/>
@@ -14202,10 +14080,9 @@
           <a:lstStyle/>
           <a:p>
             <a:r>
-              <a:rPr lang="en-US" dirty="0" smtClean="0"/>
+              <a:rPr lang="en-US" dirty="0"/>
               <a:t>Thank you for coming</a:t>
             </a:r>
-            <a:endParaRPr lang="en-US" dirty="0"/>
           </a:p>
         </p:txBody>
       </p:sp>
@@ -14262,13 +14139,6 @@
   <p:clrMapOvr>
     <a:masterClrMapping/>
   </p:clrMapOvr>
-  <p:timing>
-    <p:tnLst>
-      <p:par>
-        <p:cTn id="1" dur="indefinite" restart="never" nodeType="tmRoot"/>
-      </p:par>
-    </p:tnLst>
-  </p:timing>
 </p:sld>
 </file>
 

--- a/DataDrivenJobHunting.pptx
+++ b/DataDrivenJobHunting.pptx
@@ -13905,6 +13905,17 @@
               <a:t>CityToGo.xlsx</a:t>
             </a:r>
           </a:p>
+          <a:p>
+            <a:r>
+              <a:rPr lang="en-US" dirty="0"/>
+              <a:t>Write your learning notes (added to </a:t>
+            </a:r>
+            <a:r>
+              <a:rPr lang="en-US"/>
+              <a:t>resume later)</a:t>
+            </a:r>
+            <a:endParaRPr lang="en-US" dirty="0"/>
+          </a:p>
         </p:txBody>
       </p:sp>
     </p:spTree>

--- a/DataDrivenJobHunting.pptx
+++ b/DataDrivenJobHunting.pptx
@@ -14122,8 +14122,8 @@
         </p:blipFill>
         <p:spPr bwMode="auto">
           <a:xfrm>
-            <a:off x="1154954" y="2039815"/>
-            <a:ext cx="9899907" cy="4536831"/>
+            <a:off x="4529751" y="3231037"/>
+            <a:ext cx="6868539" cy="3147646"/>
           </a:xfrm>
           <a:prstGeom prst="rect">
             <a:avLst/>
@@ -14140,6 +14140,43 @@
           </a:extLst>
         </p:spPr>
       </p:pic>
+      <p:sp>
+        <p:nvSpPr>
+          <p:cNvPr id="3" name="Rectangle 2">
+            <a:extLst>
+              <a:ext uri="{FF2B5EF4-FFF2-40B4-BE49-F238E27FC236}">
+                <a16:creationId xmlns:a16="http://schemas.microsoft.com/office/drawing/2014/main" id="{7DBF4D9D-0428-4AAE-950E-6C08FBFB7249}"/>
+              </a:ext>
+            </a:extLst>
+          </p:cNvPr>
+          <p:cNvSpPr/>
+          <p:nvPr/>
+        </p:nvSpPr>
+        <p:spPr>
+          <a:xfrm>
+            <a:off x="629704" y="2546751"/>
+            <a:ext cx="5785558" cy="369332"/>
+          </a:xfrm>
+          <a:prstGeom prst="rect">
+            <a:avLst/>
+          </a:prstGeom>
+        </p:spPr>
+        <p:txBody>
+          <a:bodyPr wrap="none">
+            <a:spAutoFit/>
+          </a:bodyPr>
+          <a:lstStyle/>
+          <a:p>
+            <a:r>
+              <a:rPr lang="en-CA" dirty="0">
+                <a:hlinkClick r:id="rId3"/>
+              </a:rPr>
+              <a:t>https://www.youtube.com/watch?v=z14p9Lo7NSs</a:t>
+            </a:r>
+            <a:endParaRPr lang="en-CA" dirty="0"/>
+          </a:p>
+        </p:txBody>
+      </p:sp>
     </p:spTree>
     <p:extLst>
       <p:ext uri="{BB962C8B-B14F-4D97-AF65-F5344CB8AC3E}">

--- a/DataDrivenJobHunting.pptx
+++ b/DataDrivenJobHunting.pptx
@@ -8,8 +8,8 @@
     <p:sldId id="256" r:id="rId2"/>
     <p:sldId id="257" r:id="rId3"/>
     <p:sldId id="258" r:id="rId4"/>
-    <p:sldId id="260" r:id="rId5"/>
-    <p:sldId id="261" r:id="rId6"/>
+    <p:sldId id="261" r:id="rId5"/>
+    <p:sldId id="260" r:id="rId6"/>
     <p:sldId id="264" r:id="rId7"/>
     <p:sldId id="263" r:id="rId8"/>
   </p:sldIdLst>
@@ -294,7 +294,7 @@
           </a:lstStyle>
           <a:p>
             <a:r>
-              <a:rPr lang="en-US"/>
+              <a:rPr lang="en-US" smtClean="0"/>
               <a:t>Click to edit Master title style</a:t>
             </a:r>
             <a:endParaRPr lang="en-US" dirty="0"/>
@@ -414,7 +414,7 @@
           </a:lstStyle>
           <a:p>
             <a:r>
-              <a:rPr lang="en-US"/>
+              <a:rPr lang="en-US" smtClean="0"/>
               <a:t>Click to edit Master subtitle style</a:t>
             </a:r>
             <a:endParaRPr lang="en-US" dirty="0"/>
@@ -454,7 +454,7 @@
             <a:fld id="{5923F103-BC34-4FE4-A40E-EDDEECFDA5D0}" type="datetimeFigureOut">
               <a:rPr lang="en-US" dirty="0"/>
               <a:pPr/>
-              <a:t>5/2/2019</a:t>
+              <a:t>5/8/2019</a:t>
             </a:fld>
             <a:endParaRPr lang="en-US" dirty="0"/>
           </a:p>
@@ -1365,7 +1365,7 @@
           </a:lstStyle>
           <a:p>
             <a:r>
-              <a:rPr lang="en-US"/>
+              <a:rPr lang="en-US" smtClean="0"/>
               <a:t>Click to edit Master title style</a:t>
             </a:r>
             <a:endParaRPr lang="en-US" dirty="0"/>
@@ -1444,7 +1444,7 @@
           </a:lstStyle>
           <a:p>
             <a:r>
-              <a:rPr lang="en-US"/>
+              <a:rPr lang="en-US" smtClean="0"/>
               <a:t>Click icon to add picture</a:t>
             </a:r>
             <a:endParaRPr lang="en-US" dirty="0"/>
@@ -1519,7 +1519,7 @@
           <a:p>
             <a:pPr lvl="0"/>
             <a:r>
-              <a:rPr lang="en-US"/>
+              <a:rPr lang="en-US" smtClean="0"/>
               <a:t>Click to edit Master text styles</a:t>
             </a:r>
           </a:p>
@@ -1542,7 +1542,7 @@
           <a:p>
             <a:fld id="{923A1CC3-2375-41D4-9E03-427CAF2A4C1A}" type="datetimeFigureOut">
               <a:rPr lang="en-US" dirty="0"/>
-              <a:t>5/2/2019</a:t>
+              <a:t>5/8/2019</a:t>
             </a:fld>
             <a:endParaRPr lang="en-US" dirty="0"/>
           </a:p>
@@ -2431,7 +2431,7 @@
           </a:lstStyle>
           <a:p>
             <a:r>
-              <a:rPr lang="en-US"/>
+              <a:rPr lang="en-US" smtClean="0"/>
               <a:t>Click to edit Master title style</a:t>
             </a:r>
             <a:endParaRPr lang="en-US" dirty="0"/>
@@ -2499,7 +2499,7 @@
           <a:p>
             <a:pPr lvl="0"/>
             <a:r>
-              <a:rPr lang="en-US"/>
+              <a:rPr lang="en-US" smtClean="0"/>
               <a:t>Click to edit Master text styles</a:t>
             </a:r>
           </a:p>
@@ -2522,7 +2522,7 @@
           <a:p>
             <a:fld id="{AFF16868-8199-4C2C-A5B1-63AEE139F88E}" type="datetimeFigureOut">
               <a:rPr lang="en-US" dirty="0"/>
-              <a:t>5/2/2019</a:t>
+              <a:t>5/8/2019</a:t>
             </a:fld>
             <a:endParaRPr lang="en-US" dirty="0"/>
           </a:p>
@@ -3489,7 +3489,7 @@
           </a:lstStyle>
           <a:p>
             <a:r>
-              <a:rPr lang="en-US"/>
+              <a:rPr lang="en-US" smtClean="0"/>
               <a:t>Click to edit Master title style</a:t>
             </a:r>
             <a:endParaRPr lang="en-US" dirty="0"/>
@@ -3566,7 +3566,7 @@
           <a:p>
             <a:pPr lvl="0"/>
             <a:r>
-              <a:rPr lang="en-US"/>
+              <a:rPr lang="en-US" smtClean="0"/>
               <a:t>Click to edit Master text styles</a:t>
             </a:r>
           </a:p>
@@ -3633,7 +3633,7 @@
           <a:p>
             <a:pPr lvl="0"/>
             <a:r>
-              <a:rPr lang="en-US"/>
+              <a:rPr lang="en-US" smtClean="0"/>
               <a:t>Click to edit Master text styles</a:t>
             </a:r>
           </a:p>
@@ -3656,7 +3656,7 @@
           <a:p>
             <a:fld id="{AAD9FF7F-6988-44CC-821B-644E70CD2F73}" type="datetimeFigureOut">
               <a:rPr lang="en-US" dirty="0"/>
-              <a:t>5/2/2019</a:t>
+              <a:t>5/8/2019</a:t>
             </a:fld>
             <a:endParaRPr lang="en-US" dirty="0"/>
           </a:p>
@@ -4545,7 +4545,7 @@
           </a:lstStyle>
           <a:p>
             <a:r>
-              <a:rPr lang="en-US"/>
+              <a:rPr lang="en-US" smtClean="0"/>
               <a:t>Click to edit Master title style</a:t>
             </a:r>
             <a:endParaRPr lang="en-US" dirty="0"/>
@@ -4666,7 +4666,7 @@
           <a:p>
             <a:pPr lvl="0"/>
             <a:r>
-              <a:rPr lang="en-US"/>
+              <a:rPr lang="en-US" smtClean="0"/>
               <a:t>Click to edit Master text styles</a:t>
             </a:r>
           </a:p>
@@ -4689,7 +4689,7 @@
           <a:p>
             <a:fld id="{5C12C299-16B2-4475-990D-751901EACC14}" type="datetimeFigureOut">
               <a:rPr lang="en-US" dirty="0"/>
-              <a:t>5/2/2019</a:t>
+              <a:t>5/8/2019</a:t>
             </a:fld>
             <a:endParaRPr lang="en-US" dirty="0"/>
           </a:p>
@@ -4828,7 +4828,7 @@
           </a:lstStyle>
           <a:p>
             <a:r>
-              <a:rPr lang="en-US"/>
+              <a:rPr lang="en-US" smtClean="0"/>
               <a:t>Click to edit Master title style</a:t>
             </a:r>
             <a:endParaRPr lang="en-US" dirty="0"/>
@@ -4903,7 +4903,7 @@
           <a:p>
             <a:pPr lvl="0"/>
             <a:r>
-              <a:rPr lang="en-US"/>
+              <a:rPr lang="en-US" smtClean="0"/>
               <a:t>Click to edit Master text styles</a:t>
             </a:r>
           </a:p>
@@ -4970,7 +4970,7 @@
           <a:p>
             <a:pPr lvl="0"/>
             <a:r>
-              <a:rPr lang="en-US"/>
+              <a:rPr lang="en-US" smtClean="0"/>
               <a:t>Click to edit Master text styles</a:t>
             </a:r>
           </a:p>
@@ -5044,7 +5044,7 @@
           <a:p>
             <a:pPr lvl="0"/>
             <a:r>
-              <a:rPr lang="en-US"/>
+              <a:rPr lang="en-US" smtClean="0"/>
               <a:t>Click to edit Master text styles</a:t>
             </a:r>
           </a:p>
@@ -5111,7 +5111,7 @@
           <a:p>
             <a:pPr lvl="0"/>
             <a:r>
-              <a:rPr lang="en-US"/>
+              <a:rPr lang="en-US" smtClean="0"/>
               <a:t>Click to edit Master text styles</a:t>
             </a:r>
           </a:p>
@@ -5185,7 +5185,7 @@
           <a:p>
             <a:pPr lvl="0"/>
             <a:r>
-              <a:rPr lang="en-US"/>
+              <a:rPr lang="en-US" smtClean="0"/>
               <a:t>Click to edit Master text styles</a:t>
             </a:r>
           </a:p>
@@ -5252,7 +5252,7 @@
           <a:p>
             <a:pPr lvl="0"/>
             <a:r>
-              <a:rPr lang="en-US"/>
+              <a:rPr lang="en-US" smtClean="0"/>
               <a:t>Click to edit Master text styles</a:t>
             </a:r>
           </a:p>
@@ -5349,7 +5349,7 @@
           <a:p>
             <a:fld id="{9FE86839-B9D8-4651-8783-F325ECE74E65}" type="datetimeFigureOut">
               <a:rPr lang="en-US" dirty="0"/>
-              <a:t>5/2/2019</a:t>
+              <a:t>5/8/2019</a:t>
             </a:fld>
             <a:endParaRPr lang="en-US" dirty="0"/>
           </a:p>
@@ -5452,7 +5452,7 @@
           </a:lstStyle>
           <a:p>
             <a:r>
-              <a:rPr lang="en-US"/>
+              <a:rPr lang="en-US" smtClean="0"/>
               <a:t>Click to edit Master title style</a:t>
             </a:r>
             <a:endParaRPr lang="en-US" dirty="0"/>
@@ -5527,7 +5527,7 @@
           <a:p>
             <a:pPr lvl="0"/>
             <a:r>
-              <a:rPr lang="en-US"/>
+              <a:rPr lang="en-US" smtClean="0"/>
               <a:t>Click to edit Master text styles</a:t>
             </a:r>
           </a:p>
@@ -5605,7 +5605,7 @@
           </a:lstStyle>
           <a:p>
             <a:r>
-              <a:rPr lang="en-US"/>
+              <a:rPr lang="en-US" smtClean="0"/>
               <a:t>Click icon to add picture</a:t>
             </a:r>
             <a:endParaRPr lang="en-US" dirty="0"/>
@@ -5673,7 +5673,7 @@
           <a:p>
             <a:pPr lvl="0"/>
             <a:r>
-              <a:rPr lang="en-US"/>
+              <a:rPr lang="en-US" smtClean="0"/>
               <a:t>Click to edit Master text styles</a:t>
             </a:r>
           </a:p>
@@ -5747,7 +5747,7 @@
           <a:p>
             <a:pPr lvl="0"/>
             <a:r>
-              <a:rPr lang="en-US"/>
+              <a:rPr lang="en-US" smtClean="0"/>
               <a:t>Click to edit Master text styles</a:t>
             </a:r>
           </a:p>
@@ -5825,7 +5825,7 @@
           </a:lstStyle>
           <a:p>
             <a:r>
-              <a:rPr lang="en-US"/>
+              <a:rPr lang="en-US" smtClean="0"/>
               <a:t>Click icon to add picture</a:t>
             </a:r>
             <a:endParaRPr lang="en-US" dirty="0"/>
@@ -5893,7 +5893,7 @@
           <a:p>
             <a:pPr lvl="0"/>
             <a:r>
-              <a:rPr lang="en-US"/>
+              <a:rPr lang="en-US" smtClean="0"/>
               <a:t>Click to edit Master text styles</a:t>
             </a:r>
           </a:p>
@@ -5967,7 +5967,7 @@
           <a:p>
             <a:pPr lvl="0"/>
             <a:r>
-              <a:rPr lang="en-US"/>
+              <a:rPr lang="en-US" smtClean="0"/>
               <a:t>Click to edit Master text styles</a:t>
             </a:r>
           </a:p>
@@ -6045,7 +6045,7 @@
           </a:lstStyle>
           <a:p>
             <a:r>
-              <a:rPr lang="en-US"/>
+              <a:rPr lang="en-US" smtClean="0"/>
               <a:t>Click icon to add picture</a:t>
             </a:r>
             <a:endParaRPr lang="en-US" dirty="0"/>
@@ -6113,7 +6113,7 @@
           <a:p>
             <a:pPr lvl="0"/>
             <a:r>
-              <a:rPr lang="en-US"/>
+              <a:rPr lang="en-US" smtClean="0"/>
               <a:t>Click to edit Master text styles</a:t>
             </a:r>
           </a:p>
@@ -6210,7 +6210,7 @@
           <a:p>
             <a:fld id="{FD484F64-32F6-45C5-931F-ADC1662401D0}" type="datetimeFigureOut">
               <a:rPr lang="en-US" dirty="0"/>
-              <a:t>5/2/2019</a:t>
+              <a:t>5/8/2019</a:t>
             </a:fld>
             <a:endParaRPr lang="en-US" dirty="0"/>
           </a:p>
@@ -6314,7 +6314,7 @@
           <a:lstStyle/>
           <a:p>
             <a:r>
-              <a:rPr lang="en-US"/>
+              <a:rPr lang="en-US" smtClean="0"/>
               <a:t>Click to edit Master title style</a:t>
             </a:r>
             <a:endParaRPr lang="en-US" dirty="0"/>
@@ -6343,35 +6343,35 @@
           <a:p>
             <a:pPr lvl="0"/>
             <a:r>
-              <a:rPr lang="en-US"/>
+              <a:rPr lang="en-US" smtClean="0"/>
               <a:t>Click to edit Master text styles</a:t>
             </a:r>
           </a:p>
           <a:p>
             <a:pPr lvl="1"/>
             <a:r>
-              <a:rPr lang="en-US"/>
+              <a:rPr lang="en-US" smtClean="0"/>
               <a:t>Second level</a:t>
             </a:r>
           </a:p>
           <a:p>
             <a:pPr lvl="2"/>
             <a:r>
-              <a:rPr lang="en-US"/>
+              <a:rPr lang="en-US" smtClean="0"/>
               <a:t>Third level</a:t>
             </a:r>
           </a:p>
           <a:p>
             <a:pPr lvl="3"/>
             <a:r>
-              <a:rPr lang="en-US"/>
+              <a:rPr lang="en-US" smtClean="0"/>
               <a:t>Fourth level</a:t>
             </a:r>
           </a:p>
           <a:p>
             <a:pPr lvl="4"/>
             <a:r>
-              <a:rPr lang="en-US"/>
+              <a:rPr lang="en-US" smtClean="0"/>
               <a:t>Fifth level</a:t>
             </a:r>
             <a:endParaRPr lang="en-US" dirty="0"/>
@@ -6400,7 +6400,7 @@
           <a:p>
             <a:fld id="{53086D93-FCAC-47E0-A2EE-787E62CA814C}" type="datetimeFigureOut">
               <a:rPr lang="en-US" dirty="0"/>
-              <a:t>5/2/2019</a:t>
+              <a:t>5/8/2019</a:t>
             </a:fld>
             <a:endParaRPr lang="en-US" dirty="0"/>
           </a:p>
@@ -7286,7 +7286,7 @@
           <a:lstStyle/>
           <a:p>
             <a:r>
-              <a:rPr lang="en-US"/>
+              <a:rPr lang="en-US" smtClean="0"/>
               <a:t>Click to edit Master title style</a:t>
             </a:r>
             <a:endParaRPr lang="en-US" dirty="0"/>
@@ -7315,35 +7315,35 @@
           <a:p>
             <a:pPr lvl="0"/>
             <a:r>
-              <a:rPr lang="en-US"/>
+              <a:rPr lang="en-US" smtClean="0"/>
               <a:t>Click to edit Master text styles</a:t>
             </a:r>
           </a:p>
           <a:p>
             <a:pPr lvl="1"/>
             <a:r>
-              <a:rPr lang="en-US"/>
+              <a:rPr lang="en-US" smtClean="0"/>
               <a:t>Second level</a:t>
             </a:r>
           </a:p>
           <a:p>
             <a:pPr lvl="2"/>
             <a:r>
-              <a:rPr lang="en-US"/>
+              <a:rPr lang="en-US" smtClean="0"/>
               <a:t>Third level</a:t>
             </a:r>
           </a:p>
           <a:p>
             <a:pPr lvl="3"/>
             <a:r>
-              <a:rPr lang="en-US"/>
+              <a:rPr lang="en-US" smtClean="0"/>
               <a:t>Fourth level</a:t>
             </a:r>
           </a:p>
           <a:p>
             <a:pPr lvl="4"/>
             <a:r>
-              <a:rPr lang="en-US"/>
+              <a:rPr lang="en-US" smtClean="0"/>
               <a:t>Fifth level</a:t>
             </a:r>
             <a:endParaRPr lang="en-US" dirty="0"/>
@@ -7372,7 +7372,7 @@
           <a:p>
             <a:fld id="{CDA879A6-0FD0-4734-A311-86BFCA472E6E}" type="datetimeFigureOut">
               <a:rPr lang="en-US" dirty="0"/>
-              <a:t>5/2/2019</a:t>
+              <a:t>5/8/2019</a:t>
             </a:fld>
             <a:endParaRPr lang="en-US" dirty="0"/>
           </a:p>
@@ -7502,7 +7502,7 @@
           <a:lstStyle/>
           <a:p>
             <a:r>
-              <a:rPr lang="en-US"/>
+              <a:rPr lang="en-US" smtClean="0"/>
               <a:t>Click to edit Master title style</a:t>
             </a:r>
             <a:endParaRPr lang="en-US" dirty="0"/>
@@ -7531,35 +7531,35 @@
           <a:p>
             <a:pPr lvl="0"/>
             <a:r>
-              <a:rPr lang="en-US"/>
+              <a:rPr lang="en-US" smtClean="0"/>
               <a:t>Click to edit Master text styles</a:t>
             </a:r>
           </a:p>
           <a:p>
             <a:pPr lvl="1"/>
             <a:r>
-              <a:rPr lang="en-US"/>
+              <a:rPr lang="en-US" smtClean="0"/>
               <a:t>Second level</a:t>
             </a:r>
           </a:p>
           <a:p>
             <a:pPr lvl="2"/>
             <a:r>
-              <a:rPr lang="en-US"/>
+              <a:rPr lang="en-US" smtClean="0"/>
               <a:t>Third level</a:t>
             </a:r>
           </a:p>
           <a:p>
             <a:pPr lvl="3"/>
             <a:r>
-              <a:rPr lang="en-US"/>
+              <a:rPr lang="en-US" smtClean="0"/>
               <a:t>Fourth level</a:t>
             </a:r>
           </a:p>
           <a:p>
             <a:pPr lvl="4"/>
             <a:r>
-              <a:rPr lang="en-US"/>
+              <a:rPr lang="en-US" smtClean="0"/>
               <a:t>Fifth level</a:t>
             </a:r>
             <a:endParaRPr lang="en-US" dirty="0"/>
@@ -7583,7 +7583,7 @@
           <a:p>
             <a:fld id="{19C9CA7B-DFD4-44B5-8C60-D14B8CD1FB59}" type="datetimeFigureOut">
               <a:rPr lang="en-US" dirty="0"/>
-              <a:t>5/2/2019</a:t>
+              <a:t>5/8/2019</a:t>
             </a:fld>
             <a:endParaRPr lang="en-US" dirty="0"/>
           </a:p>
@@ -8473,7 +8473,7 @@
           </a:lstStyle>
           <a:p>
             <a:r>
-              <a:rPr lang="en-US"/>
+              <a:rPr lang="en-US" smtClean="0"/>
               <a:t>Click to edit Master title style</a:t>
             </a:r>
             <a:endParaRPr lang="en-US" dirty="0"/>
@@ -8594,7 +8594,7 @@
           <a:p>
             <a:pPr lvl="0"/>
             <a:r>
-              <a:rPr lang="en-US"/>
+              <a:rPr lang="en-US" smtClean="0"/>
               <a:t>Click to edit Master text styles</a:t>
             </a:r>
           </a:p>
@@ -8617,7 +8617,7 @@
           <a:p>
             <a:fld id="{F34E6425-0181-43F2-84FC-787E803FD2F8}" type="datetimeFigureOut">
               <a:rPr lang="en-US" dirty="0"/>
-              <a:t>5/2/2019</a:t>
+              <a:t>5/8/2019</a:t>
             </a:fld>
             <a:endParaRPr lang="en-US" dirty="0"/>
           </a:p>
@@ -8747,7 +8747,7 @@
           <a:lstStyle/>
           <a:p>
             <a:r>
-              <a:rPr lang="en-US"/>
+              <a:rPr lang="en-US" smtClean="0"/>
               <a:t>Click to edit Master title style</a:t>
             </a:r>
             <a:endParaRPr lang="en-US" dirty="0"/>
@@ -8778,35 +8778,35 @@
           <a:p>
             <a:pPr lvl="0"/>
             <a:r>
-              <a:rPr lang="en-US"/>
+              <a:rPr lang="en-US" smtClean="0"/>
               <a:t>Click to edit Master text styles</a:t>
             </a:r>
           </a:p>
           <a:p>
             <a:pPr lvl="1"/>
             <a:r>
-              <a:rPr lang="en-US"/>
+              <a:rPr lang="en-US" smtClean="0"/>
               <a:t>Second level</a:t>
             </a:r>
           </a:p>
           <a:p>
             <a:pPr lvl="2"/>
             <a:r>
-              <a:rPr lang="en-US"/>
+              <a:rPr lang="en-US" smtClean="0"/>
               <a:t>Third level</a:t>
             </a:r>
           </a:p>
           <a:p>
             <a:pPr lvl="3"/>
             <a:r>
-              <a:rPr lang="en-US"/>
+              <a:rPr lang="en-US" smtClean="0"/>
               <a:t>Fourth level</a:t>
             </a:r>
           </a:p>
           <a:p>
             <a:pPr lvl="4"/>
             <a:r>
-              <a:rPr lang="en-US"/>
+              <a:rPr lang="en-US" smtClean="0"/>
               <a:t>Fifth level</a:t>
             </a:r>
             <a:endParaRPr lang="en-US" dirty="0"/>
@@ -8837,35 +8837,35 @@
           <a:p>
             <a:pPr lvl="0"/>
             <a:r>
-              <a:rPr lang="en-US"/>
+              <a:rPr lang="en-US" smtClean="0"/>
               <a:t>Click to edit Master text styles</a:t>
             </a:r>
           </a:p>
           <a:p>
             <a:pPr lvl="1"/>
             <a:r>
-              <a:rPr lang="en-US"/>
+              <a:rPr lang="en-US" smtClean="0"/>
               <a:t>Second level</a:t>
             </a:r>
           </a:p>
           <a:p>
             <a:pPr lvl="2"/>
             <a:r>
-              <a:rPr lang="en-US"/>
+              <a:rPr lang="en-US" smtClean="0"/>
               <a:t>Third level</a:t>
             </a:r>
           </a:p>
           <a:p>
             <a:pPr lvl="3"/>
             <a:r>
-              <a:rPr lang="en-US"/>
+              <a:rPr lang="en-US" smtClean="0"/>
               <a:t>Fourth level</a:t>
             </a:r>
           </a:p>
           <a:p>
             <a:pPr lvl="4"/>
             <a:r>
-              <a:rPr lang="en-US"/>
+              <a:rPr lang="en-US" smtClean="0"/>
               <a:t>Fifth level</a:t>
             </a:r>
             <a:endParaRPr lang="en-US" dirty="0"/>
@@ -8889,7 +8889,7 @@
           <a:p>
             <a:fld id="{3BDB8791-F1B0-41E7-B7FD-A781E65C4266}" type="datetimeFigureOut">
               <a:rPr lang="en-US" dirty="0"/>
-              <a:t>5/2/2019</a:t>
+              <a:t>5/8/2019</a:t>
             </a:fld>
             <a:endParaRPr lang="en-US" dirty="0"/>
           </a:p>
@@ -8987,7 +8987,7 @@
           </a:lstStyle>
           <a:p>
             <a:r>
-              <a:rPr lang="en-US"/>
+              <a:rPr lang="en-US" smtClean="0"/>
               <a:t>Click to edit Master title style</a:t>
             </a:r>
             <a:endParaRPr lang="en-US" dirty="0"/>
@@ -9059,7 +9059,7 @@
           <a:p>
             <a:pPr lvl="0"/>
             <a:r>
-              <a:rPr lang="en-US"/>
+              <a:rPr lang="en-US" smtClean="0"/>
               <a:t>Click to edit Master text styles</a:t>
             </a:r>
           </a:p>
@@ -9089,35 +9089,35 @@
           <a:p>
             <a:pPr lvl="0"/>
             <a:r>
-              <a:rPr lang="en-US"/>
+              <a:rPr lang="en-US" smtClean="0"/>
               <a:t>Click to edit Master text styles</a:t>
             </a:r>
           </a:p>
           <a:p>
             <a:pPr lvl="1"/>
             <a:r>
-              <a:rPr lang="en-US"/>
+              <a:rPr lang="en-US" smtClean="0"/>
               <a:t>Second level</a:t>
             </a:r>
           </a:p>
           <a:p>
             <a:pPr lvl="2"/>
             <a:r>
-              <a:rPr lang="en-US"/>
+              <a:rPr lang="en-US" smtClean="0"/>
               <a:t>Third level</a:t>
             </a:r>
           </a:p>
           <a:p>
             <a:pPr lvl="3"/>
             <a:r>
-              <a:rPr lang="en-US"/>
+              <a:rPr lang="en-US" smtClean="0"/>
               <a:t>Fourth level</a:t>
             </a:r>
           </a:p>
           <a:p>
             <a:pPr lvl="4"/>
             <a:r>
-              <a:rPr lang="en-US"/>
+              <a:rPr lang="en-US" smtClean="0"/>
               <a:t>Fifth level</a:t>
             </a:r>
             <a:endParaRPr lang="en-US" dirty="0"/>
@@ -9189,7 +9189,7 @@
           <a:p>
             <a:pPr lvl="0"/>
             <a:r>
-              <a:rPr lang="en-US"/>
+              <a:rPr lang="en-US" smtClean="0"/>
               <a:t>Click to edit Master text styles</a:t>
             </a:r>
           </a:p>
@@ -9247,35 +9247,35 @@
           <a:p>
             <a:pPr lvl="0"/>
             <a:r>
-              <a:rPr lang="en-US"/>
+              <a:rPr lang="en-US" smtClean="0"/>
               <a:t>Click to edit Master text styles</a:t>
             </a:r>
           </a:p>
           <a:p>
             <a:pPr lvl="1"/>
             <a:r>
-              <a:rPr lang="en-US"/>
+              <a:rPr lang="en-US" smtClean="0"/>
               <a:t>Second level</a:t>
             </a:r>
           </a:p>
           <a:p>
             <a:pPr lvl="2"/>
             <a:r>
-              <a:rPr lang="en-US"/>
+              <a:rPr lang="en-US" smtClean="0"/>
               <a:t>Third level</a:t>
             </a:r>
           </a:p>
           <a:p>
             <a:pPr lvl="3"/>
             <a:r>
-              <a:rPr lang="en-US"/>
+              <a:rPr lang="en-US" smtClean="0"/>
               <a:t>Fourth level</a:t>
             </a:r>
           </a:p>
           <a:p>
             <a:pPr lvl="4"/>
             <a:r>
-              <a:rPr lang="en-US"/>
+              <a:rPr lang="en-US" smtClean="0"/>
               <a:t>Fifth level</a:t>
             </a:r>
             <a:endParaRPr lang="en-US" dirty="0"/>
@@ -9299,7 +9299,7 @@
           <a:p>
             <a:fld id="{5FDD63B2-E120-4ED8-B27B-C685F510A5FE}" type="datetimeFigureOut">
               <a:rPr lang="en-US" dirty="0"/>
-              <a:t>5/2/2019</a:t>
+              <a:t>5/8/2019</a:t>
             </a:fld>
             <a:endParaRPr lang="en-US" dirty="0"/>
           </a:p>
@@ -9402,7 +9402,7 @@
           </a:lstStyle>
           <a:p>
             <a:r>
-              <a:rPr lang="en-US"/>
+              <a:rPr lang="en-US" smtClean="0"/>
               <a:t>Click to edit Master title style</a:t>
             </a:r>
             <a:endParaRPr lang="en-US" dirty="0"/>
@@ -9426,7 +9426,7 @@
           <a:p>
             <a:fld id="{7AA18ACC-A947-437B-A130-35BD54FDF1E9}" type="datetimeFigureOut">
               <a:rPr lang="en-US" dirty="0"/>
-              <a:t>5/2/2019</a:t>
+              <a:t>5/8/2019</a:t>
             </a:fld>
             <a:endParaRPr lang="en-US" dirty="0"/>
           </a:p>
@@ -9521,7 +9521,7 @@
           <a:p>
             <a:fld id="{7C8D7E02-BCB8-4D50-A234-369438C08659}" type="datetimeFigureOut">
               <a:rPr lang="en-US" dirty="0"/>
-              <a:t>5/2/2019</a:t>
+              <a:t>5/8/2019</a:t>
             </a:fld>
             <a:endParaRPr lang="en-US" dirty="0"/>
           </a:p>
@@ -10447,7 +10447,7 @@
           </a:lstStyle>
           <a:p>
             <a:r>
-              <a:rPr lang="en-US"/>
+              <a:rPr lang="en-US" smtClean="0"/>
               <a:t>Click to edit Master title style</a:t>
             </a:r>
             <a:endParaRPr lang="en-US" dirty="0"/>
@@ -10478,35 +10478,35 @@
           <a:p>
             <a:pPr lvl="0"/>
             <a:r>
-              <a:rPr lang="en-US"/>
+              <a:rPr lang="en-US" smtClean="0"/>
               <a:t>Click to edit Master text styles</a:t>
             </a:r>
           </a:p>
           <a:p>
             <a:pPr lvl="1"/>
             <a:r>
-              <a:rPr lang="en-US"/>
+              <a:rPr lang="en-US" smtClean="0"/>
               <a:t>Second level</a:t>
             </a:r>
           </a:p>
           <a:p>
             <a:pPr lvl="2"/>
             <a:r>
-              <a:rPr lang="en-US"/>
+              <a:rPr lang="en-US" smtClean="0"/>
               <a:t>Third level</a:t>
             </a:r>
           </a:p>
           <a:p>
             <a:pPr lvl="3"/>
             <a:r>
-              <a:rPr lang="en-US"/>
+              <a:rPr lang="en-US" smtClean="0"/>
               <a:t>Fourth level</a:t>
             </a:r>
           </a:p>
           <a:p>
             <a:pPr lvl="4"/>
             <a:r>
-              <a:rPr lang="en-US"/>
+              <a:rPr lang="en-US" smtClean="0"/>
               <a:t>Fifth level</a:t>
             </a:r>
             <a:endParaRPr lang="en-US" dirty="0"/>
@@ -10579,7 +10579,7 @@
           <a:p>
             <a:pPr lvl="0"/>
             <a:r>
-              <a:rPr lang="en-US"/>
+              <a:rPr lang="en-US" smtClean="0"/>
               <a:t>Click to edit Master text styles</a:t>
             </a:r>
           </a:p>
@@ -10602,7 +10602,7 @@
           <a:p>
             <a:fld id="{76E86A4C-8E40-4F87-A4F0-01A0687C5742}" type="datetimeFigureOut">
               <a:rPr lang="en-US" dirty="0"/>
-              <a:t>5/2/2019</a:t>
+              <a:t>5/8/2019</a:t>
             </a:fld>
             <a:endParaRPr lang="en-US" dirty="0"/>
           </a:p>
@@ -11530,7 +11530,7 @@
           </a:lstStyle>
           <a:p>
             <a:r>
-              <a:rPr lang="en-US"/>
+              <a:rPr lang="en-US" smtClean="0"/>
               <a:t>Click to edit Master title style</a:t>
             </a:r>
             <a:endParaRPr lang="en-US" dirty="0"/>
@@ -11612,7 +11612,7 @@
               <a:buNone/>
             </a:pPr>
             <a:r>
-              <a:rPr lang="en-US"/>
+              <a:rPr lang="en-US" smtClean="0"/>
               <a:t>Click icon to add picture</a:t>
             </a:r>
             <a:endParaRPr lang="en-US" dirty="0"/>
@@ -11687,7 +11687,7 @@
           <a:p>
             <a:pPr lvl="0"/>
             <a:r>
-              <a:rPr lang="en-US"/>
+              <a:rPr lang="en-US" smtClean="0"/>
               <a:t>Click to edit Master text styles</a:t>
             </a:r>
           </a:p>
@@ -11710,7 +11710,7 @@
           <a:p>
             <a:fld id="{35E72C73-2D91-4E12-BA25-F0AA0C03599B}" type="datetimeFigureOut">
               <a:rPr lang="en-US" dirty="0"/>
-              <a:t>5/2/2019</a:t>
+              <a:t>5/8/2019</a:t>
             </a:fld>
             <a:endParaRPr lang="en-US" dirty="0"/>
           </a:p>
@@ -12605,7 +12605,7 @@
           <a:lstStyle/>
           <a:p>
             <a:r>
-              <a:rPr lang="en-US"/>
+              <a:rPr lang="en-US" smtClean="0"/>
               <a:t>Click to edit Master title style</a:t>
             </a:r>
             <a:endParaRPr lang="en-US" dirty="0"/>
@@ -12639,35 +12639,35 @@
           <a:p>
             <a:pPr lvl="0"/>
             <a:r>
-              <a:rPr lang="en-US"/>
+              <a:rPr lang="en-US" smtClean="0"/>
               <a:t>Click to edit Master text styles</a:t>
             </a:r>
           </a:p>
           <a:p>
             <a:pPr lvl="1"/>
             <a:r>
-              <a:rPr lang="en-US"/>
+              <a:rPr lang="en-US" smtClean="0"/>
               <a:t>Second level</a:t>
             </a:r>
           </a:p>
           <a:p>
             <a:pPr lvl="2"/>
             <a:r>
-              <a:rPr lang="en-US"/>
+              <a:rPr lang="en-US" smtClean="0"/>
               <a:t>Third level</a:t>
             </a:r>
           </a:p>
           <a:p>
             <a:pPr lvl="3"/>
             <a:r>
-              <a:rPr lang="en-US"/>
+              <a:rPr lang="en-US" smtClean="0"/>
               <a:t>Fourth level</a:t>
             </a:r>
           </a:p>
           <a:p>
             <a:pPr lvl="4"/>
             <a:r>
-              <a:rPr lang="en-US"/>
+              <a:rPr lang="en-US" smtClean="0"/>
               <a:t>Fifth level</a:t>
             </a:r>
             <a:endParaRPr lang="en-US" dirty="0"/>
@@ -12707,7 +12707,7 @@
           <a:p>
             <a:fld id="{2BE451C3-0FF4-47C4-B829-773ADF60F88C}" type="datetimeFigureOut">
               <a:rPr lang="en-US" dirty="0"/>
-              <a:t>5/2/2019</a:t>
+              <a:t>5/8/2019</a:t>
             </a:fld>
             <a:endParaRPr lang="en-US" dirty="0"/>
           </a:p>
@@ -13288,7 +13288,7 @@
           <a:lstStyle/>
           <a:p>
             <a:r>
-              <a:rPr lang="en-CA" dirty="0"/>
+              <a:rPr lang="en-CA" dirty="0" smtClean="0"/>
               <a:t>Data Driven Job Hunting</a:t>
             </a:r>
             <a:endParaRPr lang="en-US" dirty="0"/>
@@ -13317,72 +13317,13 @@
           </a:bodyPr>
           <a:lstStyle/>
           <a:p>
-            <a:r>
-              <a:rPr lang="en-CA" sz="2400" dirty="0">
-                <a:solidFill>
-                  <a:schemeClr val="bg2"/>
-                </a:solidFill>
-              </a:rPr>
-              <a:t>Thanks for the organizer ECCC (</a:t>
-            </a:r>
-            <a:r>
-              <a:rPr lang="zh-CN" altLang="en-US" sz="2400" dirty="0">
-                <a:solidFill>
-                  <a:schemeClr val="bg2"/>
-                </a:solidFill>
-              </a:rPr>
-              <a:t>爱城华人基督教福音堂</a:t>
-            </a:r>
-            <a:r>
-              <a:rPr lang="en-CA" sz="2400" dirty="0">
-                <a:solidFill>
-                  <a:schemeClr val="bg2"/>
-                </a:solidFill>
-              </a:rPr>
-              <a:t>); especial to Zhang Nan, Zhao Xin</a:t>
-            </a:r>
-          </a:p>
-          <a:p>
-            <a:r>
-              <a:rPr lang="zh-TW" altLang="en-US" sz="2400" dirty="0">
-                <a:solidFill>
-                  <a:schemeClr val="bg2"/>
-                </a:solidFill>
-              </a:rPr>
-              <a:t>愛民頓是一個近半載時光在漫天飄雪的地方， 但上主仍在人生天空裡放了彩虹的生命應許，我們願意以改變生命的信息，伴結成長的關係</a:t>
-            </a:r>
-            <a:r>
-              <a:rPr lang="en-US" altLang="zh-TW" sz="2400" dirty="0">
-                <a:solidFill>
-                  <a:schemeClr val="bg2"/>
-                </a:solidFill>
-              </a:rPr>
-              <a:t>, </a:t>
-            </a:r>
-            <a:r>
-              <a:rPr lang="zh-TW" altLang="en-US" sz="2400" dirty="0">
-                <a:solidFill>
-                  <a:schemeClr val="bg2"/>
-                </a:solidFill>
-              </a:rPr>
-              <a:t>樂也融融的群 體，激勵人心的真道，終身學習的教導，帶給你嶄新的生命體驗</a:t>
-            </a:r>
-            <a:r>
-              <a:rPr lang="en-US" altLang="zh-TW" sz="2400" dirty="0">
-                <a:solidFill>
-                  <a:schemeClr val="bg2"/>
-                </a:solidFill>
-              </a:rPr>
-              <a:t>, </a:t>
-            </a:r>
-            <a:r>
-              <a:rPr lang="zh-TW" altLang="en-US" sz="2400" dirty="0">
-                <a:solidFill>
-                  <a:schemeClr val="bg2"/>
-                </a:solidFill>
-              </a:rPr>
-              <a:t>使冰冷孤寂的秋冬，轉成溫暖融融的春夏， 見到生命總是祝福。</a:t>
-            </a:r>
+            <a:endParaRPr lang="en-US" sz="1200" dirty="0" smtClean="0">
+              <a:solidFill>
+                <a:schemeClr val="bg2"/>
+              </a:solidFill>
+            </a:endParaRPr>
+          </a:p>
+          <a:p>
             <a:endParaRPr lang="en-US" sz="1200" dirty="0">
               <a:solidFill>
                 <a:schemeClr val="bg2"/>
@@ -13390,16 +13331,38 @@
             </a:endParaRPr>
           </a:p>
           <a:p>
+            <a:endParaRPr lang="en-US" sz="1200" dirty="0" smtClean="0">
+              <a:solidFill>
+                <a:schemeClr val="bg2"/>
+              </a:solidFill>
+            </a:endParaRPr>
+          </a:p>
+          <a:p>
+            <a:endParaRPr lang="en-US" sz="1200" dirty="0">
+              <a:solidFill>
+                <a:schemeClr val="bg2"/>
+              </a:solidFill>
+            </a:endParaRPr>
+          </a:p>
+          <a:p>
             <a:r>
-              <a:rPr lang="en-US" sz="1200" dirty="0">
+              <a:rPr lang="en-US" sz="1200" dirty="0" smtClean="0">
                 <a:solidFill>
                   <a:schemeClr val="bg2"/>
                 </a:solidFill>
               </a:rPr>
-              <a:t>Speaker : </a:t>
+              <a:t>Speaker </a:t>
             </a:r>
             <a:r>
-              <a:rPr lang="en-US" sz="1200" dirty="0" err="1">
+              <a:rPr lang="en-US" sz="1200" dirty="0" smtClean="0">
+                <a:solidFill>
+                  <a:schemeClr val="bg2"/>
+                </a:solidFill>
+              </a:rPr>
+              <a:t>: </a:t>
+            </a:r>
+            <a:r>
+              <a:rPr lang="en-US" sz="1200" dirty="0" err="1" smtClean="0">
                 <a:solidFill>
                   <a:schemeClr val="bg2"/>
                 </a:solidFill>
@@ -13407,31 +13370,15 @@
               <a:t>Shenyi</a:t>
             </a:r>
             <a:r>
-              <a:rPr lang="en-US" sz="1200" dirty="0">
+              <a:rPr lang="en-US" sz="1200" dirty="0" smtClean="0">
                 <a:solidFill>
                   <a:schemeClr val="bg2"/>
                 </a:solidFill>
               </a:rPr>
-              <a:t> </a:t>
+              <a:t> Bao </a:t>
             </a:r>
             <a:r>
-              <a:rPr lang="en-US" sz="1200" dirty="0" err="1">
-                <a:solidFill>
-                  <a:schemeClr val="bg2"/>
-                </a:solidFill>
-              </a:rPr>
-              <a:t>Bao</a:t>
-            </a:r>
-            <a:r>
-              <a:rPr lang="en-US" sz="1200" dirty="0">
-                <a:solidFill>
-                  <a:schemeClr val="bg2"/>
-                </a:solidFill>
-              </a:rPr>
-              <a:t> </a:t>
-            </a:r>
-            <a:r>
-              <a:rPr lang="en-US" sz="1200" dirty="0">
+              <a:rPr lang="en-US" sz="1200" dirty="0" smtClean="0">
                 <a:solidFill>
                   <a:schemeClr val="bg2"/>
                 </a:solidFill>
@@ -13439,7 +13386,7 @@
               </a:rPr>
               <a:t>baoshenyi@gmail.com</a:t>
             </a:r>
-            <a:endParaRPr lang="en-US" sz="1200" dirty="0">
+            <a:endParaRPr lang="en-US" sz="1200" dirty="0" smtClean="0">
               <a:solidFill>
                 <a:schemeClr val="bg2"/>
               </a:solidFill>
@@ -13452,7 +13399,7 @@
               </a:rPr>
               <a:t>https://ca.linkedin.com/in/shenyi-bao-3b989a5</a:t>
             </a:r>
-            <a:endParaRPr lang="en-US" sz="1200" dirty="0">
+            <a:endParaRPr lang="en-US" sz="1200" dirty="0" smtClean="0">
               <a:solidFill>
                 <a:schemeClr val="bg2"/>
               </a:solidFill>
@@ -13470,6 +13417,13 @@
   <p:clrMapOvr>
     <a:masterClrMapping/>
   </p:clrMapOvr>
+  <p:timing>
+    <p:tnLst>
+      <p:par>
+        <p:cTn id="1" dur="indefinite" restart="never" nodeType="tmRoot"/>
+      </p:par>
+    </p:tnLst>
+  </p:timing>
 </p:sld>
 </file>
 
@@ -13506,9 +13460,10 @@
           <a:lstStyle/>
           <a:p>
             <a:r>
-              <a:rPr lang="en-US" dirty="0"/>
+              <a:rPr lang="en-US" dirty="0" smtClean="0"/>
               <a:t>Stages</a:t>
             </a:r>
+            <a:endParaRPr lang="en-US" dirty="0"/>
           </a:p>
         </p:txBody>
       </p:sp>
@@ -13571,7 +13526,7 @@
               </a:spcAft>
             </a:pPr>
             <a:r>
-              <a:rPr lang="en-US" sz="1200" dirty="0">
+              <a:rPr lang="en-US" sz="1200" dirty="0" smtClean="0">
                 <a:solidFill>
                   <a:srgbClr val="FF0000"/>
                 </a:solidFill>
@@ -13583,6 +13538,18 @@
               <a:t>Refer to </a:t>
             </a:r>
             <a:r>
+              <a:rPr lang="en-CA" sz="1200" dirty="0" smtClean="0">
+                <a:solidFill>
+                  <a:srgbClr val="FF0000"/>
+                </a:solidFill>
+                <a:latin typeface="Calibri" panose="020F0502020204030204" pitchFamily="34" charset="0"/>
+                <a:ea typeface="DengXian" panose="02010600030101010101" pitchFamily="2" charset="-122"/>
+                <a:cs typeface="Times New Roman" panose="02020603050405020304" pitchFamily="18" charset="0"/>
+                <a:hlinkClick r:id="rId3"/>
+              </a:rPr>
+              <a:t>https</a:t>
+            </a:r>
+            <a:r>
               <a:rPr lang="en-CA" sz="1200" dirty="0">
                 <a:solidFill>
                   <a:srgbClr val="FF0000"/>
@@ -13592,7 +13559,7 @@
                 <a:cs typeface="Times New Roman" panose="02020603050405020304" pitchFamily="18" charset="0"/>
                 <a:hlinkClick r:id="rId3"/>
               </a:rPr>
-              <a:t>https://transparency.kununu.com/the-emotional-stages-of-the-job-search-infographic/</a:t>
+              <a:t>://transparency.kununu.com/the-emotional-stages-of-the-job-search-infographic/</a:t>
             </a:r>
             <a:endParaRPr lang="en-US" sz="1200" dirty="0">
               <a:solidFill>
@@ -13616,6 +13583,13 @@
   <p:clrMapOvr>
     <a:masterClrMapping/>
   </p:clrMapOvr>
+  <p:timing>
+    <p:tnLst>
+      <p:par>
+        <p:cTn id="1" dur="indefinite" restart="never" nodeType="tmRoot"/>
+      </p:par>
+    </p:tnLst>
+  </p:timing>
 </p:sld>
 </file>
 
@@ -13652,7 +13626,7 @@
           <a:lstStyle/>
           <a:p>
             <a:r>
-              <a:rPr lang="en-US" altLang="zh-CN" dirty="0"/>
+              <a:rPr lang="en-US" altLang="zh-CN" dirty="0" smtClean="0"/>
               <a:t>Statistics to use social media</a:t>
             </a:r>
             <a:endParaRPr lang="en-US" dirty="0"/>
@@ -13765,10 +13739,120 @@
   <p:clrMapOvr>
     <a:masterClrMapping/>
   </p:clrMapOvr>
+  <p:timing>
+    <p:tnLst>
+      <p:par>
+        <p:cTn id="1" dur="indefinite" restart="never" nodeType="tmRoot"/>
+      </p:par>
+    </p:tnLst>
+  </p:timing>
 </p:sld>
 </file>
 
 <file path=ppt/slides/slide4.xml><?xml version="1.0" encoding="utf-8"?>
+<p:sld xmlns:a="http://schemas.openxmlformats.org/drawingml/2006/main" xmlns:r="http://schemas.openxmlformats.org/officeDocument/2006/relationships" xmlns:p="http://schemas.openxmlformats.org/presentationml/2006/main">
+  <p:cSld>
+    <p:spTree>
+      <p:nvGrpSpPr>
+        <p:cNvPr id="1" name=""/>
+        <p:cNvGrpSpPr/>
+        <p:nvPr/>
+      </p:nvGrpSpPr>
+      <p:grpSpPr>
+        <a:xfrm>
+          <a:off x="0" y="0"/>
+          <a:ext cx="0" cy="0"/>
+          <a:chOff x="0" y="0"/>
+          <a:chExt cx="0" cy="0"/>
+        </a:xfrm>
+      </p:grpSpPr>
+      <p:sp>
+        <p:nvSpPr>
+          <p:cNvPr id="2" name="Title 1"/>
+          <p:cNvSpPr>
+            <a:spLocks noGrp="1"/>
+          </p:cNvSpPr>
+          <p:nvPr>
+            <p:ph type="title"/>
+          </p:nvPr>
+        </p:nvSpPr>
+        <p:spPr/>
+        <p:txBody>
+          <a:bodyPr/>
+          <a:lstStyle/>
+          <a:p>
+            <a:r>
+              <a:rPr lang="en-US" dirty="0" smtClean="0"/>
+              <a:t>Download practice templates</a:t>
+            </a:r>
+            <a:endParaRPr lang="en-US" dirty="0"/>
+          </a:p>
+        </p:txBody>
+      </p:sp>
+      <p:sp>
+        <p:nvSpPr>
+          <p:cNvPr id="3" name="Content Placeholder 2"/>
+          <p:cNvSpPr>
+            <a:spLocks noGrp="1"/>
+          </p:cNvSpPr>
+          <p:nvPr>
+            <p:ph idx="1"/>
+          </p:nvPr>
+        </p:nvSpPr>
+        <p:spPr/>
+        <p:txBody>
+          <a:bodyPr/>
+          <a:lstStyle/>
+          <a:p>
+            <a:r>
+              <a:rPr lang="en-US" dirty="0">
+                <a:hlinkClick r:id="rId2"/>
+              </a:rPr>
+              <a:t>https://</a:t>
+            </a:r>
+            <a:r>
+              <a:rPr lang="en-US" dirty="0" smtClean="0">
+                <a:hlinkClick r:id="rId2"/>
+              </a:rPr>
+              <a:t>github.com/baoshenyi/DataDrivenJobHunting</a:t>
+            </a:r>
+            <a:endParaRPr lang="en-US" dirty="0" smtClean="0"/>
+          </a:p>
+          <a:p>
+            <a:r>
+              <a:rPr lang="en-US" dirty="0" smtClean="0"/>
+              <a:t>LearnWithJobPostings.xlsx</a:t>
+            </a:r>
+          </a:p>
+          <a:p>
+            <a:r>
+              <a:rPr lang="en-US" dirty="0"/>
+              <a:t>CityToGo.xlsx</a:t>
+            </a:r>
+          </a:p>
+        </p:txBody>
+      </p:sp>
+    </p:spTree>
+    <p:extLst>
+      <p:ext uri="{BB962C8B-B14F-4D97-AF65-F5344CB8AC3E}">
+        <p14:creationId xmlns:p14="http://schemas.microsoft.com/office/powerpoint/2010/main" val="4122810704"/>
+      </p:ext>
+    </p:extLst>
+  </p:cSld>
+  <p:clrMapOvr>
+    <a:masterClrMapping/>
+  </p:clrMapOvr>
+  <p:timing>
+    <p:tnLst>
+      <p:par>
+        <p:cTn id="1" dur="indefinite" restart="never" nodeType="tmRoot"/>
+      </p:par>
+    </p:tnLst>
+  </p:timing>
+</p:sld>
+</file>
+
+<file path=ppt/slides/slide5.xml><?xml version="1.0" encoding="utf-8"?>
 <p:sld xmlns:a="http://schemas.openxmlformats.org/drawingml/2006/main" xmlns:r="http://schemas.openxmlformats.org/officeDocument/2006/relationships" xmlns:p="http://schemas.openxmlformats.org/presentationml/2006/main">
   <p:cSld>
     <p:spTree>
@@ -13828,106 +13912,13 @@
   <p:clrMapOvr>
     <a:masterClrMapping/>
   </p:clrMapOvr>
-</p:sld>
-</file>
-
-<file path=ppt/slides/slide5.xml><?xml version="1.0" encoding="utf-8"?>
-<p:sld xmlns:a="http://schemas.openxmlformats.org/drawingml/2006/main" xmlns:r="http://schemas.openxmlformats.org/officeDocument/2006/relationships" xmlns:p="http://schemas.openxmlformats.org/presentationml/2006/main">
-  <p:cSld>
-    <p:spTree>
-      <p:nvGrpSpPr>
-        <p:cNvPr id="1" name=""/>
-        <p:cNvGrpSpPr/>
-        <p:nvPr/>
-      </p:nvGrpSpPr>
-      <p:grpSpPr>
-        <a:xfrm>
-          <a:off x="0" y="0"/>
-          <a:ext cx="0" cy="0"/>
-          <a:chOff x="0" y="0"/>
-          <a:chExt cx="0" cy="0"/>
-        </a:xfrm>
-      </p:grpSpPr>
-      <p:sp>
-        <p:nvSpPr>
-          <p:cNvPr id="2" name="Title 1"/>
-          <p:cNvSpPr>
-            <a:spLocks noGrp="1"/>
-          </p:cNvSpPr>
-          <p:nvPr>
-            <p:ph type="title"/>
-          </p:nvPr>
-        </p:nvSpPr>
-        <p:spPr/>
-        <p:txBody>
-          <a:bodyPr/>
-          <a:lstStyle/>
-          <a:p>
-            <a:r>
-              <a:rPr lang="en-US" dirty="0"/>
-              <a:t>Download practice templates</a:t>
-            </a:r>
-          </a:p>
-        </p:txBody>
-      </p:sp>
-      <p:sp>
-        <p:nvSpPr>
-          <p:cNvPr id="3" name="Content Placeholder 2"/>
-          <p:cNvSpPr>
-            <a:spLocks noGrp="1"/>
-          </p:cNvSpPr>
-          <p:nvPr>
-            <p:ph idx="1"/>
-          </p:nvPr>
-        </p:nvSpPr>
-        <p:spPr/>
-        <p:txBody>
-          <a:bodyPr/>
-          <a:lstStyle/>
-          <a:p>
-            <a:r>
-              <a:rPr lang="en-US" dirty="0">
-                <a:hlinkClick r:id="rId2"/>
-              </a:rPr>
-              <a:t>https://github.com/baoshenyi/DataDrivenJobHunting</a:t>
-            </a:r>
-            <a:endParaRPr lang="en-US" dirty="0"/>
-          </a:p>
-          <a:p>
-            <a:r>
-              <a:rPr lang="en-US" dirty="0"/>
-              <a:t>LearnWithJobPostings.xlsx</a:t>
-            </a:r>
-          </a:p>
-          <a:p>
-            <a:r>
-              <a:rPr lang="en-US" dirty="0"/>
-              <a:t>CityToGo.xlsx</a:t>
-            </a:r>
-          </a:p>
-          <a:p>
-            <a:r>
-              <a:rPr lang="en-US" dirty="0"/>
-              <a:t>Write your learning notes (added to </a:t>
-            </a:r>
-            <a:r>
-              <a:rPr lang="en-US"/>
-              <a:t>resume later)</a:t>
-            </a:r>
-            <a:endParaRPr lang="en-US" dirty="0"/>
-          </a:p>
-        </p:txBody>
-      </p:sp>
-    </p:spTree>
-    <p:extLst>
-      <p:ext uri="{BB962C8B-B14F-4D97-AF65-F5344CB8AC3E}">
-        <p14:creationId xmlns:p14="http://schemas.microsoft.com/office/powerpoint/2010/main" val="4122810704"/>
-      </p:ext>
-    </p:extLst>
-  </p:cSld>
-  <p:clrMapOvr>
-    <a:masterClrMapping/>
-  </p:clrMapOvr>
+  <p:timing>
+    <p:tnLst>
+      <p:par>
+        <p:cTn id="1" dur="indefinite" restart="never" nodeType="tmRoot"/>
+      </p:par>
+    </p:tnLst>
+  </p:timing>
 </p:sld>
 </file>
 
@@ -13964,9 +13955,10 @@
           <a:lstStyle/>
           <a:p>
             <a:r>
-              <a:rPr lang="en-US" dirty="0"/>
+              <a:rPr lang="en-US" dirty="0" smtClean="0"/>
               <a:t>Online resources and interview tips</a:t>
             </a:r>
+            <a:endParaRPr lang="en-US" dirty="0"/>
           </a:p>
         </p:txBody>
       </p:sp>
@@ -13994,51 +13986,80 @@
               <a:rPr lang="en-US" dirty="0">
                 <a:hlinkClick r:id="rId2"/>
               </a:rPr>
-              <a:t>https://www.udemy.com</a:t>
+              <a:t>https://</a:t>
             </a:r>
-            <a:endParaRPr lang="en-US" dirty="0"/>
+            <a:r>
+              <a:rPr lang="en-US" dirty="0" smtClean="0">
+                <a:hlinkClick r:id="rId2"/>
+              </a:rPr>
+              <a:t>www.udemy.com</a:t>
+            </a:r>
+            <a:endParaRPr lang="en-US" dirty="0" smtClean="0"/>
           </a:p>
           <a:p>
             <a:r>
               <a:rPr lang="en-US" dirty="0">
                 <a:hlinkClick r:id="rId3"/>
               </a:rPr>
-              <a:t>https://www.coursera.org</a:t>
+              <a:t>https://</a:t>
+            </a:r>
+            <a:r>
+              <a:rPr lang="en-US" dirty="0" smtClean="0">
+                <a:hlinkClick r:id="rId3"/>
+              </a:rPr>
+              <a:t>www.coursera.org</a:t>
+            </a:r>
+            <a:r>
+              <a:rPr lang="en-US" dirty="0" smtClean="0"/>
+              <a:t> </a:t>
             </a:r>
             <a:r>
               <a:rPr lang="en-US" dirty="0"/>
-              <a:t> from a certification of completion to a completed degree</a:t>
+              <a:t>from a certification of completion to a completed </a:t>
             </a:r>
-          </a:p>
-          <a:p>
             <a:r>
-              <a:rPr lang="en-CA" dirty="0">
+              <a:rPr lang="en-US" dirty="0" smtClean="0"/>
+              <a:t>degree</a:t>
+            </a:r>
+          </a:p>
+          <a:p>
+            <a:r>
+              <a:rPr lang="en-US" dirty="0">
                 <a:hlinkClick r:id="rId4"/>
               </a:rPr>
-              <a:t>https://www.meetup.com/Edmonton-NET-User-Group/about/</a:t>
+              <a:t>https://www.edx.org</a:t>
             </a:r>
-            <a:endParaRPr lang="en-CA" dirty="0"/>
-          </a:p>
-          <a:p>
             <a:r>
-              <a:rPr lang="en-US" dirty="0"/>
+              <a:rPr lang="en-US" dirty="0" smtClean="0">
+                <a:hlinkClick r:id="rId4"/>
+              </a:rPr>
+              <a:t>/</a:t>
+            </a:r>
+            <a:r>
+              <a:rPr lang="en-US" dirty="0" smtClean="0"/>
+              <a:t> more academic, get certificates, but not diploma or degree</a:t>
+            </a:r>
+          </a:p>
+          <a:p>
+            <a:r>
+              <a:rPr lang="en-US" dirty="0" smtClean="0"/>
               <a:t>Please let interviewers leave message since you could prepare before call them back.</a:t>
             </a:r>
           </a:p>
           <a:p>
             <a:r>
-              <a:rPr lang="en-US" dirty="0"/>
+              <a:rPr lang="en-US" dirty="0" smtClean="0"/>
               <a:t>If you get call from interviewer on Wednesday or later, please postpone to next week </a:t>
             </a:r>
           </a:p>
           <a:p>
             <a:r>
-              <a:rPr lang="en-US" dirty="0"/>
+              <a:rPr lang="en-US" dirty="0" smtClean="0"/>
               <a:t>Ask export for mock up interview</a:t>
             </a:r>
           </a:p>
           <a:p>
-            <a:endParaRPr lang="en-US" dirty="0"/>
+            <a:endParaRPr lang="en-US" dirty="0" smtClean="0"/>
           </a:p>
           <a:p>
             <a:endParaRPr lang="en-US" dirty="0"/>
@@ -14091,9 +14112,10 @@
           <a:lstStyle/>
           <a:p>
             <a:r>
-              <a:rPr lang="en-US" dirty="0"/>
+              <a:rPr lang="en-US" dirty="0" smtClean="0"/>
               <a:t>Thank you for coming</a:t>
             </a:r>
+            <a:endParaRPr lang="en-US" dirty="0"/>
           </a:p>
         </p:txBody>
       </p:sp>
@@ -14122,8 +14144,8 @@
         </p:blipFill>
         <p:spPr bwMode="auto">
           <a:xfrm>
-            <a:off x="4529751" y="3231037"/>
-            <a:ext cx="6868539" cy="3147646"/>
+            <a:off x="1154954" y="2039815"/>
+            <a:ext cx="9899907" cy="4536831"/>
           </a:xfrm>
           <a:prstGeom prst="rect">
             <a:avLst/>
@@ -14140,43 +14162,6 @@
           </a:extLst>
         </p:spPr>
       </p:pic>
-      <p:sp>
-        <p:nvSpPr>
-          <p:cNvPr id="3" name="Rectangle 2">
-            <a:extLst>
-              <a:ext uri="{FF2B5EF4-FFF2-40B4-BE49-F238E27FC236}">
-                <a16:creationId xmlns:a16="http://schemas.microsoft.com/office/drawing/2014/main" id="{7DBF4D9D-0428-4AAE-950E-6C08FBFB7249}"/>
-              </a:ext>
-            </a:extLst>
-          </p:cNvPr>
-          <p:cNvSpPr/>
-          <p:nvPr/>
-        </p:nvSpPr>
-        <p:spPr>
-          <a:xfrm>
-            <a:off x="629704" y="2546751"/>
-            <a:ext cx="5785558" cy="369332"/>
-          </a:xfrm>
-          <a:prstGeom prst="rect">
-            <a:avLst/>
-          </a:prstGeom>
-        </p:spPr>
-        <p:txBody>
-          <a:bodyPr wrap="none">
-            <a:spAutoFit/>
-          </a:bodyPr>
-          <a:lstStyle/>
-          <a:p>
-            <a:r>
-              <a:rPr lang="en-CA" dirty="0">
-                <a:hlinkClick r:id="rId3"/>
-              </a:rPr>
-              <a:t>https://www.youtube.com/watch?v=z14p9Lo7NSs</a:t>
-            </a:r>
-            <a:endParaRPr lang="en-CA" dirty="0"/>
-          </a:p>
-        </p:txBody>
-      </p:sp>
     </p:spTree>
     <p:extLst>
       <p:ext uri="{BB962C8B-B14F-4D97-AF65-F5344CB8AC3E}">
@@ -14187,6 +14172,13 @@
   <p:clrMapOvr>
     <a:masterClrMapping/>
   </p:clrMapOvr>
+  <p:timing>
+    <p:tnLst>
+      <p:par>
+        <p:cTn id="1" dur="indefinite" restart="never" nodeType="tmRoot"/>
+      </p:par>
+    </p:tnLst>
+  </p:timing>
 </p:sld>
 </file>
 
